--- a/presentation/CrowdTrust .pptx
+++ b/presentation/CrowdTrust .pptx
@@ -7,14 +7,15 @@
   <p:sldIdLst>
     <p:sldId id="256" r:id="rId2"/>
     <p:sldId id="262" r:id="rId3"/>
-    <p:sldId id="261" r:id="rId4"/>
+    <p:sldId id="266" r:id="rId4"/>
     <p:sldId id="257" r:id="rId5"/>
-    <p:sldId id="264" r:id="rId6"/>
-    <p:sldId id="260" r:id="rId7"/>
-    <p:sldId id="259" r:id="rId8"/>
-    <p:sldId id="263" r:id="rId9"/>
-    <p:sldId id="265" r:id="rId10"/>
-    <p:sldId id="258" r:id="rId11"/>
+    <p:sldId id="267" r:id="rId6"/>
+    <p:sldId id="261" r:id="rId7"/>
+    <p:sldId id="260" r:id="rId8"/>
+    <p:sldId id="259" r:id="rId9"/>
+    <p:sldId id="263" r:id="rId10"/>
+    <p:sldId id="265" r:id="rId11"/>
+    <p:sldId id="258" r:id="rId12"/>
   </p:sldIdLst>
   <p:sldSz cx="9144000" cy="6858000" type="screen4x3"/>
   <p:notesSz cx="6858000" cy="9144000"/>
@@ -297,7 +298,7 @@
           <a:p>
             <a:fld id="{6C47F8ED-34BF-4065-99C3-2F7501BB923D}" type="datetimeFigureOut">
               <a:rPr lang="en-IN" smtClean="0"/>
-              <a:t>08-01-2013</a:t>
+              <a:t>09/01/2013</a:t>
             </a:fld>
             <a:endParaRPr lang="en-IN"/>
           </a:p>
@@ -462,7 +463,7 @@
           <a:p>
             <a:fld id="{6C47F8ED-34BF-4065-99C3-2F7501BB923D}" type="datetimeFigureOut">
               <a:rPr lang="en-IN" smtClean="0"/>
-              <a:t>08-01-2013</a:t>
+              <a:t>09/01/2013</a:t>
             </a:fld>
             <a:endParaRPr lang="en-IN"/>
           </a:p>
@@ -637,7 +638,7 @@
           <a:p>
             <a:fld id="{6C47F8ED-34BF-4065-99C3-2F7501BB923D}" type="datetimeFigureOut">
               <a:rPr lang="en-IN" smtClean="0"/>
-              <a:t>08-01-2013</a:t>
+              <a:t>09/01/2013</a:t>
             </a:fld>
             <a:endParaRPr lang="en-IN"/>
           </a:p>
@@ -686,6 +687,124 @@
         </p:txBody>
       </p:sp>
     </p:spTree>
+  </p:cSld>
+  <p:clrMapOvr>
+    <a:masterClrMapping/>
+  </p:clrMapOvr>
+</p:sldLayout>
+</file>
+
+<file path=ppt/slideLayouts/slideLayout12.xml><?xml version="1.0" encoding="utf-8"?>
+<p:sldLayout xmlns:a="http://schemas.openxmlformats.org/drawingml/2006/main" xmlns:r="http://schemas.openxmlformats.org/officeDocument/2006/relationships" xmlns:p="http://schemas.openxmlformats.org/presentationml/2006/main" preserve="1">
+  <p:cSld name="Custom Layout">
+    <p:spTree>
+      <p:nvGrpSpPr>
+        <p:cNvPr id="1" name=""/>
+        <p:cNvGrpSpPr/>
+        <p:nvPr/>
+      </p:nvGrpSpPr>
+      <p:grpSpPr>
+        <a:xfrm>
+          <a:off x="0" y="0"/>
+          <a:ext cx="0" cy="0"/>
+          <a:chOff x="0" y="0"/>
+          <a:chExt cx="0" cy="0"/>
+        </a:xfrm>
+      </p:grpSpPr>
+      <p:sp>
+        <p:nvSpPr>
+          <p:cNvPr id="2" name="Title 1"/>
+          <p:cNvSpPr>
+            <a:spLocks noGrp="1"/>
+          </p:cNvSpPr>
+          <p:nvPr>
+            <p:ph type="title"/>
+          </p:nvPr>
+        </p:nvSpPr>
+        <p:spPr/>
+        <p:txBody>
+          <a:bodyPr/>
+          <a:lstStyle/>
+          <a:p>
+            <a:r>
+              <a:rPr lang="en-GB" smtClean="0"/>
+              <a:t>Click to edit Master title style</a:t>
+            </a:r>
+            <a:endParaRPr lang="en-US"/>
+          </a:p>
+        </p:txBody>
+      </p:sp>
+      <p:sp>
+        <p:nvSpPr>
+          <p:cNvPr id="3" name="Date Placeholder 2"/>
+          <p:cNvSpPr>
+            <a:spLocks noGrp="1"/>
+          </p:cNvSpPr>
+          <p:nvPr>
+            <p:ph type="dt" sz="half" idx="10"/>
+          </p:nvPr>
+        </p:nvSpPr>
+        <p:spPr/>
+        <p:txBody>
+          <a:bodyPr/>
+          <a:lstStyle/>
+          <a:p>
+            <a:fld id="{6C47F8ED-34BF-4065-99C3-2F7501BB923D}" type="datetimeFigureOut">
+              <a:rPr lang="en-IN" smtClean="0"/>
+              <a:t>09/01/2013</a:t>
+            </a:fld>
+            <a:endParaRPr lang="en-IN"/>
+          </a:p>
+        </p:txBody>
+      </p:sp>
+      <p:sp>
+        <p:nvSpPr>
+          <p:cNvPr id="4" name="Footer Placeholder 3"/>
+          <p:cNvSpPr>
+            <a:spLocks noGrp="1"/>
+          </p:cNvSpPr>
+          <p:nvPr>
+            <p:ph type="ftr" sz="quarter" idx="11"/>
+          </p:nvPr>
+        </p:nvSpPr>
+        <p:spPr/>
+        <p:txBody>
+          <a:bodyPr/>
+          <a:lstStyle/>
+          <a:p>
+            <a:endParaRPr lang="en-IN"/>
+          </a:p>
+        </p:txBody>
+      </p:sp>
+      <p:sp>
+        <p:nvSpPr>
+          <p:cNvPr id="5" name="Slide Number Placeholder 4"/>
+          <p:cNvSpPr>
+            <a:spLocks noGrp="1"/>
+          </p:cNvSpPr>
+          <p:nvPr>
+            <p:ph type="sldNum" sz="quarter" idx="12"/>
+          </p:nvPr>
+        </p:nvSpPr>
+        <p:spPr/>
+        <p:txBody>
+          <a:bodyPr/>
+          <a:lstStyle/>
+          <a:p>
+            <a:fld id="{E6A25CE5-8D76-4601-979E-EF72007A3B9A}" type="slidenum">
+              <a:rPr lang="en-IN" smtClean="0"/>
+              <a:t>‹#›</a:t>
+            </a:fld>
+            <a:endParaRPr lang="en-IN"/>
+          </a:p>
+        </p:txBody>
+      </p:sp>
+    </p:spTree>
+    <p:extLst>
+      <p:ext uri="{BB962C8B-B14F-4D97-AF65-F5344CB8AC3E}">
+        <p14:creationId xmlns:p14="http://schemas.microsoft.com/office/powerpoint/2010/main" val="2680553606"/>
+      </p:ext>
+    </p:extLst>
   </p:cSld>
   <p:clrMapOvr>
     <a:masterClrMapping/>
@@ -802,7 +921,7 @@
           <a:p>
             <a:fld id="{6C47F8ED-34BF-4065-99C3-2F7501BB923D}" type="datetimeFigureOut">
               <a:rPr lang="en-IN" smtClean="0"/>
-              <a:t>08-01-2013</a:t>
+              <a:t>09/01/2013</a:t>
             </a:fld>
             <a:endParaRPr lang="en-IN"/>
           </a:p>
@@ -1043,7 +1162,7 @@
           <a:p>
             <a:fld id="{6C47F8ED-34BF-4065-99C3-2F7501BB923D}" type="datetimeFigureOut">
               <a:rPr lang="en-IN" smtClean="0"/>
-              <a:t>08-01-2013</a:t>
+              <a:t>09/01/2013</a:t>
             </a:fld>
             <a:endParaRPr lang="en-IN"/>
           </a:p>
@@ -1326,7 +1445,7 @@
           <a:p>
             <a:fld id="{6C47F8ED-34BF-4065-99C3-2F7501BB923D}" type="datetimeFigureOut">
               <a:rPr lang="en-IN" smtClean="0"/>
-              <a:t>08-01-2013</a:t>
+              <a:t>09/01/2013</a:t>
             </a:fld>
             <a:endParaRPr lang="en-IN"/>
           </a:p>
@@ -1743,7 +1862,7 @@
           <a:p>
             <a:fld id="{6C47F8ED-34BF-4065-99C3-2F7501BB923D}" type="datetimeFigureOut">
               <a:rPr lang="en-IN" smtClean="0"/>
-              <a:t>08-01-2013</a:t>
+              <a:t>09/01/2013</a:t>
             </a:fld>
             <a:endParaRPr lang="en-IN"/>
           </a:p>
@@ -1856,7 +1975,7 @@
           <a:p>
             <a:fld id="{6C47F8ED-34BF-4065-99C3-2F7501BB923D}" type="datetimeFigureOut">
               <a:rPr lang="en-IN" smtClean="0"/>
-              <a:t>08-01-2013</a:t>
+              <a:t>09/01/2013</a:t>
             </a:fld>
             <a:endParaRPr lang="en-IN"/>
           </a:p>
@@ -1946,7 +2065,7 @@
           <a:p>
             <a:fld id="{6C47F8ED-34BF-4065-99C3-2F7501BB923D}" type="datetimeFigureOut">
               <a:rPr lang="en-IN" smtClean="0"/>
-              <a:t>08-01-2013</a:t>
+              <a:t>09/01/2013</a:t>
             </a:fld>
             <a:endParaRPr lang="en-IN"/>
           </a:p>
@@ -2218,7 +2337,7 @@
           <a:p>
             <a:fld id="{6C47F8ED-34BF-4065-99C3-2F7501BB923D}" type="datetimeFigureOut">
               <a:rPr lang="en-IN" smtClean="0"/>
-              <a:t>08-01-2013</a:t>
+              <a:t>09/01/2013</a:t>
             </a:fld>
             <a:endParaRPr lang="en-IN"/>
           </a:p>
@@ -2466,7 +2585,7 @@
           <a:p>
             <a:fld id="{6C47F8ED-34BF-4065-99C3-2F7501BB923D}" type="datetimeFigureOut">
               <a:rPr lang="en-IN" smtClean="0"/>
-              <a:t>08-01-2013</a:t>
+              <a:t>09/01/2013</a:t>
             </a:fld>
             <a:endParaRPr lang="en-IN"/>
           </a:p>
@@ -2528,8 +2647,8 @@
     <p:bg>
       <p:bgPr>
         <a:blipFill dpi="0" rotWithShape="1">
-          <a:blip r:embed="rId13" cstate="print">
-            <a:lum/>
+          <a:blip r:embed="rId14" cstate="print">
+            <a:alphaModFix amt="46000"/>
           </a:blip>
           <a:srcRect/>
           <a:stretch>
@@ -2683,7 +2802,7 @@
           <a:p>
             <a:fld id="{6C47F8ED-34BF-4065-99C3-2F7501BB923D}" type="datetimeFigureOut">
               <a:rPr lang="en-IN" smtClean="0"/>
-              <a:t>08-01-2013</a:t>
+              <a:t>09/01/2013</a:t>
             </a:fld>
             <a:endParaRPr lang="en-IN"/>
           </a:p>
@@ -2782,6 +2901,7 @@
     <p:sldLayoutId id="2147483765" r:id="rId9"/>
     <p:sldLayoutId id="2147483766" r:id="rId10"/>
     <p:sldLayoutId id="2147483767" r:id="rId11"/>
+    <p:sldLayoutId id="2147483768" r:id="rId12"/>
   </p:sldLayoutIdLst>
   <p:txStyles>
     <p:titleStyle>
@@ -3157,7 +3277,7 @@
   <p:timing>
     <p:tnLst>
       <p:par>
-        <p:cTn id="1" dur="indefinite" restart="never" nodeType="tmRoot"/>
+        <p:cTn xmlns:p14="http://schemas.microsoft.com/office/powerpoint/2010/main" id="1" dur="indefinite" restart="never" nodeType="tmRoot"/>
       </p:par>
     </p:tnLst>
   </p:timing>
@@ -3165,6 +3285,104 @@
 </file>
 
 <file path=ppt/slides/slide10.xml><?xml version="1.0" encoding="utf-8"?>
+<p:sld xmlns:a="http://schemas.openxmlformats.org/drawingml/2006/main" xmlns:r="http://schemas.openxmlformats.org/officeDocument/2006/relationships" xmlns:p="http://schemas.openxmlformats.org/presentationml/2006/main">
+  <p:cSld>
+    <p:spTree>
+      <p:nvGrpSpPr>
+        <p:cNvPr id="1" name=""/>
+        <p:cNvGrpSpPr/>
+        <p:nvPr/>
+      </p:nvGrpSpPr>
+      <p:grpSpPr>
+        <a:xfrm>
+          <a:off x="0" y="0"/>
+          <a:ext cx="0" cy="0"/>
+          <a:chOff x="0" y="0"/>
+          <a:chExt cx="0" cy="0"/>
+        </a:xfrm>
+      </p:grpSpPr>
+      <p:sp>
+        <p:nvSpPr>
+          <p:cNvPr id="2" name="Title 1"/>
+          <p:cNvSpPr>
+            <a:spLocks noGrp="1"/>
+          </p:cNvSpPr>
+          <p:nvPr>
+            <p:ph type="title"/>
+          </p:nvPr>
+        </p:nvSpPr>
+        <p:spPr/>
+        <p:txBody>
+          <a:bodyPr/>
+          <a:lstStyle/>
+          <a:p>
+            <a:r>
+              <a:rPr lang="en-US" dirty="0" smtClean="0"/>
+              <a:t>Conclusions</a:t>
+            </a:r>
+            <a:endParaRPr lang="en-IN" dirty="0"/>
+          </a:p>
+        </p:txBody>
+      </p:sp>
+      <p:sp>
+        <p:nvSpPr>
+          <p:cNvPr id="3" name="Content Placeholder 2"/>
+          <p:cNvSpPr>
+            <a:spLocks noGrp="1"/>
+          </p:cNvSpPr>
+          <p:nvPr>
+            <p:ph idx="1"/>
+          </p:nvPr>
+        </p:nvSpPr>
+        <p:spPr/>
+        <p:txBody>
+          <a:bodyPr/>
+          <a:lstStyle/>
+          <a:p>
+            <a:r>
+              <a:rPr lang="en-US" dirty="0" smtClean="0"/>
+              <a:t>Successfully developed a generic framework</a:t>
+            </a:r>
+          </a:p>
+          <a:p>
+            <a:r>
+              <a:rPr lang="en-US" dirty="0" err="1" smtClean="0"/>
+              <a:t>Generalised</a:t>
+            </a:r>
+            <a:r>
+              <a:rPr lang="en-US" dirty="0" smtClean="0"/>
+              <a:t> EM algorithm to obtain optimum number of people to ask.</a:t>
+            </a:r>
+          </a:p>
+          <a:p>
+            <a:r>
+              <a:rPr lang="en-US" dirty="0" smtClean="0"/>
+              <a:t>Produced an easy to use website which allowed people to </a:t>
+            </a:r>
+            <a:r>
+              <a:rPr lang="en-US" smtClean="0"/>
+              <a:t>complete tasks</a:t>
+            </a:r>
+            <a:endParaRPr lang="en-US" dirty="0" smtClean="0"/>
+          </a:p>
+        </p:txBody>
+      </p:sp>
+    </p:spTree>
+  </p:cSld>
+  <p:clrMapOvr>
+    <a:masterClrMapping/>
+  </p:clrMapOvr>
+  <p:timing>
+    <p:tnLst>
+      <p:par>
+        <p:cTn xmlns:p14="http://schemas.microsoft.com/office/powerpoint/2010/main" id="1" dur="indefinite" restart="never" nodeType="tmRoot"/>
+      </p:par>
+    </p:tnLst>
+  </p:timing>
+</p:sld>
+</file>
+
+<file path=ppt/slides/slide11.xml><?xml version="1.0" encoding="utf-8"?>
 <p:sld xmlns:a="http://schemas.openxmlformats.org/drawingml/2006/main" xmlns:r="http://schemas.openxmlformats.org/officeDocument/2006/relationships" xmlns:p="http://schemas.openxmlformats.org/presentationml/2006/main">
   <p:cSld>
     <p:spTree>
@@ -3314,7 +3532,7 @@
   <p:timing>
     <p:tnLst>
       <p:par>
-        <p:cTn id="1" dur="indefinite" restart="never" nodeType="tmRoot"/>
+        <p:cTn xmlns:p14="http://schemas.microsoft.com/office/powerpoint/2010/main" id="1" dur="indefinite" restart="never" nodeType="tmRoot"/>
       </p:par>
     </p:tnLst>
   </p:timing>
@@ -3355,9 +3573,9 @@
           <a:p>
             <a:r>
               <a:rPr lang="en-US" dirty="0" smtClean="0"/>
-              <a:t>Proposed Solution</a:t>
-            </a:r>
-            <a:endParaRPr lang="en-IN" dirty="0"/>
+              <a:t>Crowdsourcing</a:t>
+            </a:r>
+            <a:endParaRPr lang="en-US" dirty="0"/>
           </a:p>
         </p:txBody>
       </p:sp>
@@ -3378,33 +3596,35 @@
           <a:p>
             <a:r>
               <a:rPr lang="en-US" dirty="0" smtClean="0"/>
-              <a:t>Online </a:t>
-            </a:r>
-            <a:r>
-              <a:rPr lang="en-US" dirty="0" err="1" smtClean="0"/>
-              <a:t>crowdsourcing</a:t>
-            </a:r>
+              <a:t>What is it?</a:t>
+            </a:r>
+          </a:p>
+          <a:p>
+            <a:endParaRPr lang="en-US" dirty="0" smtClean="0"/>
+          </a:p>
+          <a:p>
             <a:r>
               <a:rPr lang="en-US" dirty="0" smtClean="0"/>
-              <a:t> platform</a:t>
-            </a:r>
+              <a:t>Why is it needed?</a:t>
+            </a:r>
+          </a:p>
+          <a:p>
+            <a:endParaRPr lang="en-US" dirty="0" smtClean="0"/>
           </a:p>
           <a:p>
             <a:r>
               <a:rPr lang="en-US" dirty="0" smtClean="0"/>
-              <a:t>Sends out tasks to an optimum number of people in the crowd.</a:t>
-            </a:r>
-          </a:p>
-          <a:p>
-            <a:r>
-              <a:rPr lang="en-US" dirty="0" smtClean="0"/>
-              <a:t>Determines whether a user is an expert, or should be blacklisted</a:t>
-            </a:r>
-            <a:endParaRPr lang="en-IN" dirty="0"/>
+              <a:t>Who uses it?</a:t>
+            </a:r>
           </a:p>
         </p:txBody>
       </p:sp>
     </p:spTree>
+    <p:extLst>
+      <p:ext uri="{BB962C8B-B14F-4D97-AF65-F5344CB8AC3E}">
+        <p14:creationId xmlns:p14="http://schemas.microsoft.com/office/powerpoint/2010/main" val="2573779045"/>
+      </p:ext>
+    </p:extLst>
   </p:cSld>
   <p:clrMapOvr>
     <a:masterClrMapping/>
@@ -3446,7 +3666,7 @@
           <a:p>
             <a:r>
               <a:rPr lang="en-US" dirty="0" smtClean="0"/>
-              <a:t>Market Analysis</a:t>
+              <a:t>What’s out there</a:t>
             </a:r>
             <a:endParaRPr lang="en-IN" dirty="0"/>
           </a:p>
@@ -3484,8 +3704,13 @@
             <a:pPr lvl="1"/>
             <a:r>
               <a:rPr lang="en-US" dirty="0" smtClean="0"/>
-              <a:t>Amazon’s Mechanical Turk</a:t>
-            </a:r>
+              <a:t>Amazon’s Mechanical </a:t>
+            </a:r>
+            <a:r>
+              <a:rPr lang="en-US" dirty="0" smtClean="0"/>
+              <a:t>Turk</a:t>
+            </a:r>
+            <a:endParaRPr lang="en-US" dirty="0" smtClean="0"/>
           </a:p>
           <a:p>
             <a:pPr lvl="1"/>
@@ -3496,13 +3721,16 @@
             <a:endParaRPr lang="en-US" dirty="0" smtClean="0"/>
           </a:p>
           <a:p>
+            <a:pPr lvl="1"/>
+            <a:r>
+              <a:rPr lang="en-US" dirty="0" err="1" smtClean="0"/>
+              <a:t>StackOverflow</a:t>
+            </a:r>
+            <a:r>
+              <a:rPr lang="en-US" dirty="0" smtClean="0"/>
+              <a:t>/Wikipedia</a:t>
+            </a:r>
             <a:endParaRPr lang="en-US" sz="800" dirty="0"/>
-          </a:p>
-          <a:p>
-            <a:r>
-              <a:rPr lang="en-US" sz="3000" dirty="0" smtClean="0"/>
-              <a:t>No competitor currently analyses responses by users to rate them as experts or blacklist them.</a:t>
-            </a:r>
           </a:p>
         </p:txBody>
       </p:sp>
@@ -3511,6 +3739,13 @@
   <p:clrMapOvr>
     <a:masterClrMapping/>
   </p:clrMapOvr>
+  <p:timing>
+    <p:tnLst>
+      <p:par>
+        <p:cTn xmlns:p14="http://schemas.microsoft.com/office/powerpoint/2010/main" id="1" dur="indefinite" restart="never" nodeType="tmRoot"/>
+      </p:par>
+    </p:tnLst>
+  </p:timing>
 </p:sld>
 </file>
 
@@ -3546,11 +3781,7 @@
           <a:bodyPr/>
           <a:lstStyle/>
           <a:p>
-            <a:r>
-              <a:rPr lang="en-US" dirty="0" smtClean="0"/>
-              <a:t>Development Tools</a:t>
-            </a:r>
-            <a:endParaRPr lang="en-IN" dirty="0"/>
+            <a:endParaRPr lang="en-US"/>
           </a:p>
         </p:txBody>
       </p:sp>
@@ -3569,43 +3800,66 @@
           <a:bodyPr/>
           <a:lstStyle/>
           <a:p>
-            <a:r>
-              <a:rPr lang="en-US" dirty="0" smtClean="0"/>
-              <a:t>Eclipse</a:t>
-            </a:r>
-          </a:p>
-          <a:p>
-            <a:pPr>
-              <a:buNone/>
-            </a:pPr>
-            <a:endParaRPr lang="en-US" dirty="0" smtClean="0"/>
-          </a:p>
-          <a:p>
-            <a:r>
-              <a:rPr lang="en-US" dirty="0" smtClean="0"/>
-              <a:t>Maven</a:t>
-            </a:r>
-          </a:p>
-          <a:p>
-            <a:pPr>
-              <a:buNone/>
-            </a:pPr>
-            <a:endParaRPr lang="en-US" dirty="0" smtClean="0"/>
-          </a:p>
-          <a:p>
-            <a:r>
-              <a:rPr lang="en-US" dirty="0" smtClean="0"/>
-              <a:t>Microsoft Expression Web 4</a:t>
-            </a:r>
-            <a:endParaRPr lang="en-IN" dirty="0"/>
-          </a:p>
-        </p:txBody>
-      </p:sp>
+            <a:endParaRPr lang="en-US" dirty="0"/>
+          </a:p>
+        </p:txBody>
+      </p:sp>
+      <p:pic>
+        <p:nvPicPr>
+          <p:cNvPr id="4" name="Picture 3" descr="redundancy.png"/>
+          <p:cNvPicPr>
+            <a:picLocks noChangeAspect="1"/>
+          </p:cNvPicPr>
+          <p:nvPr/>
+        </p:nvPicPr>
+        <p:blipFill rotWithShape="1">
+          <a:blip r:embed="rId2">
+            <a:extLst>
+              <a:ext uri="{28A0092B-C50C-407E-A947-70E740481C1C}">
+                <a14:useLocalDpi xmlns:a14="http://schemas.microsoft.com/office/drawing/2010/main" val="0"/>
+              </a:ext>
+            </a:extLst>
+          </a:blip>
+          <a:srcRect l="122" r="7522"/>
+          <a:stretch/>
+        </p:blipFill>
+        <p:spPr>
+          <a:xfrm>
+            <a:off x="107504" y="1628800"/>
+            <a:ext cx="8892480" cy="1872208"/>
+          </a:xfrm>
+          <a:prstGeom prst="rect">
+            <a:avLst/>
+          </a:prstGeom>
+          <a:ln>
+            <a:noFill/>
+          </a:ln>
+          <a:effectLst>
+            <a:outerShdw blurRad="190500" algn="tl" rotWithShape="0">
+              <a:srgbClr val="000000">
+                <a:alpha val="70000"/>
+              </a:srgbClr>
+            </a:outerShdw>
+          </a:effectLst>
+        </p:spPr>
+      </p:pic>
     </p:spTree>
+    <p:extLst>
+      <p:ext uri="{BB962C8B-B14F-4D97-AF65-F5344CB8AC3E}">
+        <p14:creationId xmlns:p14="http://schemas.microsoft.com/office/powerpoint/2010/main" val="2960212911"/>
+      </p:ext>
+    </p:extLst>
   </p:cSld>
   <p:clrMapOvr>
     <a:masterClrMapping/>
   </p:clrMapOvr>
+  <p:timing>
+    <p:tnLst>
+      <p:par>
+        <p:cTn xmlns:p14="http://schemas.microsoft.com/office/powerpoint/2010/main" id="1" dur="indefinite" restart="never" nodeType="tmRoot"/>
+      </p:par>
+    </p:tnLst>
+  </p:timing>
 </p:sld>
 </file>
 
@@ -3638,63 +3892,57 @@
         </p:nvSpPr>
         <p:spPr/>
         <p:txBody>
+          <a:bodyPr/>
+          <a:lstStyle/>
+          <a:p>
+            <a:r>
+              <a:rPr lang="en-US" dirty="0" smtClean="0"/>
+              <a:t>Proposed Solution</a:t>
+            </a:r>
+            <a:endParaRPr lang="en-IN" dirty="0"/>
+          </a:p>
+        </p:txBody>
+      </p:sp>
+      <p:sp>
+        <p:nvSpPr>
+          <p:cNvPr id="3" name="Content Placeholder 2"/>
+          <p:cNvSpPr>
+            <a:spLocks noGrp="1"/>
+          </p:cNvSpPr>
+          <p:nvPr>
+            <p:ph idx="1"/>
+          </p:nvPr>
+        </p:nvSpPr>
+        <p:spPr/>
+        <p:txBody>
           <a:bodyPr>
             <a:normAutofit/>
           </a:bodyPr>
           <a:lstStyle/>
           <a:p>
             <a:r>
-              <a:rPr lang="en-US" dirty="0" smtClean="0"/>
-              <a:t>Software Engineering Practices</a:t>
-            </a:r>
-            <a:endParaRPr lang="en-IN" dirty="0"/>
-          </a:p>
-        </p:txBody>
-      </p:sp>
-      <p:sp>
-        <p:nvSpPr>
-          <p:cNvPr id="3" name="Content Placeholder 2"/>
-          <p:cNvSpPr>
-            <a:spLocks noGrp="1"/>
-          </p:cNvSpPr>
-          <p:nvPr>
-            <p:ph idx="1"/>
-          </p:nvPr>
-        </p:nvSpPr>
-        <p:spPr/>
-        <p:txBody>
-          <a:bodyPr/>
-          <a:lstStyle/>
-          <a:p>
-            <a:r>
-              <a:rPr lang="en-US" dirty="0" smtClean="0"/>
-              <a:t>Pair Programming</a:t>
-            </a:r>
-          </a:p>
-          <a:p>
-            <a:r>
-              <a:rPr lang="en-US" dirty="0" smtClean="0"/>
-              <a:t>Sitting and coding together</a:t>
-            </a:r>
-          </a:p>
-          <a:p>
-            <a:r>
-              <a:rPr lang="en-US" dirty="0" smtClean="0"/>
-              <a:t>Informative workspace</a:t>
-            </a:r>
-          </a:p>
-          <a:p>
-            <a:r>
-              <a:rPr lang="en-US" dirty="0" smtClean="0"/>
-              <a:t>Stand up meetings</a:t>
-            </a:r>
-          </a:p>
-          <a:p>
-            <a:r>
-              <a:rPr lang="en-US" dirty="0" smtClean="0"/>
-              <a:t>Whiteboard</a:t>
-            </a:r>
-            <a:endParaRPr lang="en-IN" dirty="0"/>
+              <a:rPr lang="en-US" sz="2800" dirty="0" smtClean="0"/>
+              <a:t>General purpose online crowdsourcing platform</a:t>
+            </a:r>
+          </a:p>
+          <a:p>
+            <a:endParaRPr lang="en-US" sz="2800" dirty="0" smtClean="0"/>
+          </a:p>
+          <a:p>
+            <a:r>
+              <a:rPr lang="en-US" sz="2800" dirty="0" smtClean="0"/>
+              <a:t>Analyses the crowd</a:t>
+            </a:r>
+          </a:p>
+          <a:p>
+            <a:endParaRPr lang="en-US" sz="2800" dirty="0" smtClean="0"/>
+          </a:p>
+          <a:p>
+            <a:r>
+              <a:rPr lang="en-US" sz="2800" dirty="0" smtClean="0"/>
+              <a:t>Gives accurate results</a:t>
+            </a:r>
+            <a:endParaRPr lang="en-US" sz="2800" dirty="0" smtClean="0"/>
           </a:p>
         </p:txBody>
       </p:sp>
@@ -3703,6 +3951,13 @@
   <p:clrMapOvr>
     <a:masterClrMapping/>
   </p:clrMapOvr>
+  <p:timing>
+    <p:tnLst>
+      <p:par>
+        <p:cTn xmlns:p14="http://schemas.microsoft.com/office/powerpoint/2010/main" id="1" dur="indefinite" restart="never" nodeType="tmRoot"/>
+      </p:par>
+    </p:tnLst>
+  </p:timing>
 </p:sld>
 </file>
 
@@ -3742,7 +3997,7 @@
           <a:p>
             <a:r>
               <a:rPr lang="en-US" dirty="0" smtClean="0"/>
-              <a:t>Collaboration Tools</a:t>
+              <a:t>Software Engineering Practices</a:t>
             </a:r>
             <a:endParaRPr lang="en-IN" dirty="0"/>
           </a:p>
@@ -3760,40 +4015,44 @@
         </p:nvSpPr>
         <p:spPr/>
         <p:txBody>
-          <a:bodyPr/>
-          <a:lstStyle/>
-          <a:p>
-            <a:r>
-              <a:rPr lang="en-US" dirty="0" err="1" smtClean="0"/>
-              <a:t>Git</a:t>
-            </a:r>
-            <a:endParaRPr lang="en-US" dirty="0" smtClean="0"/>
-          </a:p>
-          <a:p>
-            <a:r>
-              <a:rPr lang="en-US" dirty="0" err="1" smtClean="0"/>
-              <a:t>GitHub</a:t>
-            </a:r>
-            <a:endParaRPr lang="en-US" dirty="0" smtClean="0"/>
-          </a:p>
-          <a:p>
-            <a:r>
-              <a:rPr lang="en-US" dirty="0" smtClean="0"/>
-              <a:t>Google +</a:t>
-            </a:r>
-          </a:p>
-          <a:p>
-            <a:r>
-              <a:rPr lang="en-US" dirty="0" smtClean="0"/>
-              <a:t>Skype, IM</a:t>
-            </a:r>
-          </a:p>
-          <a:p>
-            <a:r>
-              <a:rPr lang="en-US" dirty="0" smtClean="0"/>
+          <a:bodyPr>
+            <a:normAutofit/>
+          </a:bodyPr>
+          <a:lstStyle/>
+          <a:p>
+            <a:r>
+              <a:rPr lang="en-US" sz="2800" dirty="0" smtClean="0"/>
+              <a:t>Pair Programming</a:t>
+            </a:r>
+          </a:p>
+          <a:p>
+            <a:r>
+              <a:rPr lang="en-US" sz="2800" dirty="0" smtClean="0"/>
+              <a:t>Testing each other’s code</a:t>
+            </a:r>
+            <a:endParaRPr lang="en-US" sz="2800" dirty="0" smtClean="0"/>
+          </a:p>
+          <a:p>
+            <a:r>
+              <a:rPr lang="en-US" sz="2800" dirty="0" smtClean="0"/>
+              <a:t>Informative workspace</a:t>
+            </a:r>
+          </a:p>
+          <a:p>
+            <a:r>
+              <a:rPr lang="en-US" sz="2800" dirty="0" smtClean="0"/>
+              <a:t>Stand up </a:t>
+            </a:r>
+            <a:r>
+              <a:rPr lang="en-US" sz="2800" dirty="0" smtClean="0"/>
+              <a:t>meetings</a:t>
+            </a:r>
+          </a:p>
+          <a:p>
+            <a:r>
+              <a:rPr lang="en-US" sz="2800" dirty="0" smtClean="0"/>
               <a:t>Database Token</a:t>
             </a:r>
-            <a:endParaRPr lang="en-IN" dirty="0"/>
           </a:p>
         </p:txBody>
       </p:sp>
@@ -3802,6 +4061,13 @@
   <p:clrMapOvr>
     <a:masterClrMapping/>
   </p:clrMapOvr>
+  <p:timing>
+    <p:tnLst>
+      <p:par>
+        <p:cTn xmlns:p14="http://schemas.microsoft.com/office/powerpoint/2010/main" id="1" dur="indefinite" restart="never" nodeType="tmRoot"/>
+      </p:par>
+    </p:tnLst>
+  </p:timing>
 </p:sld>
 </file>
 
@@ -3834,12 +4100,14 @@
         </p:nvSpPr>
         <p:spPr/>
         <p:txBody>
-          <a:bodyPr/>
+          <a:bodyPr>
+            <a:normAutofit/>
+          </a:bodyPr>
           <a:lstStyle/>
           <a:p>
             <a:r>
               <a:rPr lang="en-US" dirty="0" smtClean="0"/>
-              <a:t>Future Extensions</a:t>
+              <a:t>Collaboration Tools</a:t>
             </a:r>
             <a:endParaRPr lang="en-IN" dirty="0"/>
           </a:p>
@@ -3860,43 +4128,112 @@
           <a:bodyPr/>
           <a:lstStyle/>
           <a:p>
-            <a:r>
-              <a:rPr lang="en-US" dirty="0" smtClean="0"/>
-              <a:t>Tagging</a:t>
-            </a:r>
-          </a:p>
-          <a:p>
-            <a:pPr>
-              <a:buNone/>
-            </a:pPr>
             <a:endParaRPr lang="en-US" dirty="0" smtClean="0"/>
           </a:p>
-          <a:p>
-            <a:r>
-              <a:rPr lang="en-US" dirty="0" smtClean="0"/>
-              <a:t>Dynamic Pricing Model</a:t>
-            </a:r>
-          </a:p>
-          <a:p>
-            <a:pPr>
-              <a:buNone/>
-            </a:pPr>
-            <a:endParaRPr lang="en-US" dirty="0" smtClean="0"/>
-          </a:p>
-          <a:p>
-            <a:r>
-              <a:rPr lang="en-US" dirty="0" smtClean="0"/>
-              <a:t>Mobile Access</a:t>
-            </a:r>
-            <a:endParaRPr lang="en-IN" dirty="0"/>
-          </a:p>
-        </p:txBody>
-      </p:sp>
+        </p:txBody>
+      </p:sp>
+      <p:pic>
+        <p:nvPicPr>
+          <p:cNvPr id="4" name="Picture 3" descr="facebook_logo.jpg"/>
+          <p:cNvPicPr>
+            <a:picLocks noChangeAspect="1"/>
+          </p:cNvPicPr>
+          <p:nvPr/>
+        </p:nvPicPr>
+        <p:blipFill>
+          <a:blip r:embed="rId2" cstate="print">
+            <a:extLst>
+              <a:ext uri="{28A0092B-C50C-407E-A947-70E740481C1C}">
+                <a14:useLocalDpi xmlns:a14="http://schemas.microsoft.com/office/drawing/2010/main" val="0"/>
+              </a:ext>
+            </a:extLst>
+          </a:blip>
+          <a:stretch>
+            <a:fillRect/>
+          </a:stretch>
+        </p:blipFill>
+        <p:spPr>
+          <a:xfrm>
+            <a:off x="467544" y="1484784"/>
+            <a:ext cx="2105550" cy="792088"/>
+          </a:xfrm>
+          <a:prstGeom prst="rect">
+            <a:avLst/>
+          </a:prstGeom>
+        </p:spPr>
+      </p:pic>
+      <p:pic>
+        <p:nvPicPr>
+          <p:cNvPr id="5" name="Picture 4" descr="Google-plus-625x342.png"/>
+          <p:cNvPicPr>
+            <a:picLocks noChangeAspect="1"/>
+          </p:cNvPicPr>
+          <p:nvPr/>
+        </p:nvPicPr>
+        <p:blipFill>
+          <a:blip r:embed="rId3">
+            <a:extLst>
+              <a:ext uri="{28A0092B-C50C-407E-A947-70E740481C1C}">
+                <a14:useLocalDpi xmlns:a14="http://schemas.microsoft.com/office/drawing/2010/main" val="0"/>
+              </a:ext>
+            </a:extLst>
+          </a:blip>
+          <a:stretch>
+            <a:fillRect/>
+          </a:stretch>
+        </p:blipFill>
+        <p:spPr>
+          <a:xfrm>
+            <a:off x="6156176" y="1268760"/>
+            <a:ext cx="2500278" cy="1368152"/>
+          </a:xfrm>
+          <a:prstGeom prst="rect">
+            <a:avLst/>
+          </a:prstGeom>
+        </p:spPr>
+      </p:pic>
+      <p:pic>
+        <p:nvPicPr>
+          <p:cNvPr id="6" name="Picture 5" descr="github-logo.png"/>
+          <p:cNvPicPr>
+            <a:picLocks noChangeAspect="1"/>
+          </p:cNvPicPr>
+          <p:nvPr/>
+        </p:nvPicPr>
+        <p:blipFill>
+          <a:blip r:embed="rId4">
+            <a:extLst>
+              <a:ext uri="{28A0092B-C50C-407E-A947-70E740481C1C}">
+                <a14:useLocalDpi xmlns:a14="http://schemas.microsoft.com/office/drawing/2010/main" val="0"/>
+              </a:ext>
+            </a:extLst>
+          </a:blip>
+          <a:stretch>
+            <a:fillRect/>
+          </a:stretch>
+        </p:blipFill>
+        <p:spPr>
+          <a:xfrm>
+            <a:off x="1647849" y="2348880"/>
+            <a:ext cx="4950967" cy="1963314"/>
+          </a:xfrm>
+          <a:prstGeom prst="rect">
+            <a:avLst/>
+          </a:prstGeom>
+        </p:spPr>
+      </p:pic>
     </p:spTree>
   </p:cSld>
   <p:clrMapOvr>
     <a:masterClrMapping/>
   </p:clrMapOvr>
+  <p:timing>
+    <p:tnLst>
+      <p:par>
+        <p:cTn xmlns:p14="http://schemas.microsoft.com/office/powerpoint/2010/main" id="1" dur="indefinite" restart="never" nodeType="tmRoot"/>
+      </p:par>
+    </p:tnLst>
+  </p:timing>
 </p:sld>
 </file>
 
@@ -3933,53 +4270,67 @@
           <a:lstStyle/>
           <a:p>
             <a:r>
+              <a:rPr lang="en-IN" dirty="0" smtClean="0"/>
+              <a:t>Enhancements</a:t>
+            </a:r>
+            <a:endParaRPr lang="en-IN" dirty="0"/>
+          </a:p>
+        </p:txBody>
+      </p:sp>
+      <p:sp>
+        <p:nvSpPr>
+          <p:cNvPr id="3" name="Content Placeholder 2"/>
+          <p:cNvSpPr>
+            <a:spLocks noGrp="1"/>
+          </p:cNvSpPr>
+          <p:nvPr>
+            <p:ph idx="1"/>
+          </p:nvPr>
+        </p:nvSpPr>
+        <p:spPr/>
+        <p:txBody>
+          <a:bodyPr/>
+          <a:lstStyle/>
+          <a:p>
+            <a:r>
               <a:rPr lang="en-US" dirty="0" smtClean="0"/>
-              <a:t>Conclusions</a:t>
+              <a:t>Hybrid computing</a:t>
+            </a:r>
+            <a:endParaRPr lang="en-US" dirty="0" smtClean="0"/>
+          </a:p>
+          <a:p>
+            <a:pPr>
+              <a:buNone/>
+            </a:pPr>
+            <a:endParaRPr lang="en-US" dirty="0" smtClean="0"/>
+          </a:p>
+          <a:p>
+            <a:r>
+              <a:rPr lang="en-US" dirty="0" smtClean="0"/>
+              <a:t>Dynamic </a:t>
+            </a:r>
+            <a:r>
+              <a:rPr lang="en-US" smtClean="0"/>
+              <a:t>pricing model</a:t>
+            </a:r>
+            <a:endParaRPr lang="en-US" dirty="0" smtClean="0"/>
+          </a:p>
+          <a:p>
+            <a:pPr>
+              <a:buNone/>
+            </a:pPr>
+            <a:endParaRPr lang="en-US" dirty="0" smtClean="0"/>
+          </a:p>
+          <a:p>
+            <a:r>
+              <a:rPr lang="en-US" dirty="0" smtClean="0"/>
+              <a:t>Mobile </a:t>
+            </a:r>
+            <a:r>
+              <a:rPr lang="en-US" dirty="0" smtClean="0"/>
+              <a:t>app</a:t>
             </a:r>
             <a:endParaRPr lang="en-IN" dirty="0"/>
-          </a:p>
-        </p:txBody>
-      </p:sp>
-      <p:sp>
-        <p:nvSpPr>
-          <p:cNvPr id="3" name="Content Placeholder 2"/>
-          <p:cNvSpPr>
-            <a:spLocks noGrp="1"/>
-          </p:cNvSpPr>
-          <p:nvPr>
-            <p:ph idx="1"/>
-          </p:nvPr>
-        </p:nvSpPr>
-        <p:spPr/>
-        <p:txBody>
-          <a:bodyPr/>
-          <a:lstStyle/>
-          <a:p>
-            <a:r>
-              <a:rPr lang="en-US" dirty="0" smtClean="0"/>
-              <a:t>Successfully developed a generic framework</a:t>
-            </a:r>
-          </a:p>
-          <a:p>
-            <a:r>
-              <a:rPr lang="en-US" dirty="0" err="1" smtClean="0"/>
-              <a:t>Generalised</a:t>
-            </a:r>
-            <a:r>
-              <a:rPr lang="en-US" dirty="0" smtClean="0"/>
-              <a:t> EM algorithm to obtain optimum number of people to ask.</a:t>
-            </a:r>
-          </a:p>
-          <a:p>
-            <a:r>
-              <a:rPr lang="en-US" dirty="0" smtClean="0"/>
-              <a:t>Produced an easy to use website which allowed people to </a:t>
-            </a:r>
-            <a:r>
-              <a:rPr lang="en-US" smtClean="0"/>
-              <a:t>complete tasks</a:t>
-            </a:r>
-            <a:endParaRPr lang="en-US" dirty="0" smtClean="0"/>
           </a:p>
         </p:txBody>
       </p:sp>
@@ -3988,6 +4339,13 @@
   <p:clrMapOvr>
     <a:masterClrMapping/>
   </p:clrMapOvr>
+  <p:timing>
+    <p:tnLst>
+      <p:par>
+        <p:cTn xmlns:p14="http://schemas.microsoft.com/office/powerpoint/2010/main" id="1" dur="indefinite" restart="never" nodeType="tmRoot"/>
+      </p:par>
+    </p:tnLst>
+  </p:timing>
 </p:sld>
 </file>
 

--- a/presentation/CrowdTrust .pptx
+++ b/presentation/CrowdTrust .pptx
@@ -11,11 +11,17 @@
     <p:sldId id="257" r:id="rId5"/>
     <p:sldId id="267" r:id="rId6"/>
     <p:sldId id="261" r:id="rId7"/>
-    <p:sldId id="260" r:id="rId8"/>
-    <p:sldId id="259" r:id="rId9"/>
-    <p:sldId id="263" r:id="rId10"/>
-    <p:sldId id="265" r:id="rId11"/>
-    <p:sldId id="258" r:id="rId12"/>
+    <p:sldId id="268" r:id="rId8"/>
+    <p:sldId id="271" r:id="rId9"/>
+    <p:sldId id="269" r:id="rId10"/>
+    <p:sldId id="270" r:id="rId11"/>
+    <p:sldId id="272" r:id="rId12"/>
+    <p:sldId id="273" r:id="rId13"/>
+    <p:sldId id="260" r:id="rId14"/>
+    <p:sldId id="259" r:id="rId15"/>
+    <p:sldId id="263" r:id="rId16"/>
+    <p:sldId id="265" r:id="rId17"/>
+    <p:sldId id="258" r:id="rId18"/>
   </p:sldIdLst>
   <p:sldSz cx="9144000" cy="6858000" type="screen4x3"/>
   <p:notesSz cx="6858000" cy="9144000"/>
@@ -3318,9 +3324,9 @@
           <a:p>
             <a:r>
               <a:rPr lang="en-US" dirty="0" smtClean="0"/>
-              <a:t>Conclusions</a:t>
-            </a:r>
-            <a:endParaRPr lang="en-IN" dirty="0"/>
+              <a:t>How good are you?</a:t>
+            </a:r>
+            <a:endParaRPr lang="en-US" dirty="0"/>
           </a:p>
         </p:txBody>
       </p:sp>
@@ -3339,35 +3345,16 @@
           <a:bodyPr/>
           <a:lstStyle/>
           <a:p>
-            <a:r>
-              <a:rPr lang="en-US" dirty="0" smtClean="0"/>
-              <a:t>Successfully developed a generic framework</a:t>
-            </a:r>
-          </a:p>
-          <a:p>
-            <a:r>
-              <a:rPr lang="en-US" dirty="0" err="1" smtClean="0"/>
-              <a:t>Generalised</a:t>
-            </a:r>
-            <a:r>
-              <a:rPr lang="en-US" dirty="0" smtClean="0"/>
-              <a:t> EM algorithm to obtain optimum number of people to ask.</a:t>
-            </a:r>
-          </a:p>
-          <a:p>
-            <a:r>
-              <a:rPr lang="en-US" dirty="0" smtClean="0"/>
-              <a:t>Produced an easy to use website which allowed people to </a:t>
-            </a:r>
-            <a:r>
-              <a:rPr lang="en-US" smtClean="0"/>
-              <a:t>complete tasks</a:t>
-            </a:r>
-            <a:endParaRPr lang="en-US" dirty="0" smtClean="0"/>
+            <a:endParaRPr lang="en-US"/>
           </a:p>
         </p:txBody>
       </p:sp>
     </p:spTree>
+    <p:extLst>
+      <p:ext uri="{BB962C8B-B14F-4D97-AF65-F5344CB8AC3E}">
+        <p14:creationId xmlns:p14="http://schemas.microsoft.com/office/powerpoint/2010/main" val="2997252468"/>
+      </p:ext>
+    </p:extLst>
   </p:cSld>
   <p:clrMapOvr>
     <a:masterClrMapping/>
@@ -3409,34 +3396,44 @@
             <p:ph type="title"/>
           </p:nvPr>
         </p:nvSpPr>
-        <p:spPr>
-          <a:xfrm>
-            <a:off x="457200" y="274638"/>
-            <a:ext cx="8229600" cy="6106690"/>
-          </a:xfrm>
-        </p:spPr>
-        <p:txBody>
-          <a:bodyPr>
-            <a:normAutofit/>
-          </a:bodyPr>
-          <a:lstStyle/>
-          <a:p>
-            <a:r>
-              <a:rPr lang="en-US" sz="6600" dirty="0" smtClean="0"/>
-              <a:t>Thank you for listening!</a:t>
-            </a:r>
-            <a:br>
-              <a:rPr lang="en-US" sz="6600" dirty="0" smtClean="0"/>
-            </a:br>
-            <a:r>
-              <a:rPr lang="en-US" sz="6600" dirty="0" smtClean="0"/>
-              <a:t>Questions?</a:t>
-            </a:r>
-            <a:endParaRPr lang="en-IN" sz="6600" dirty="0"/>
+        <p:spPr/>
+        <p:txBody>
+          <a:bodyPr/>
+          <a:lstStyle/>
+          <a:p>
+            <a:r>
+              <a:rPr lang="en-US" dirty="0" smtClean="0"/>
+              <a:t>The EM Algorithm</a:t>
+            </a:r>
+            <a:endParaRPr lang="en-US" dirty="0"/>
+          </a:p>
+        </p:txBody>
+      </p:sp>
+      <p:sp>
+        <p:nvSpPr>
+          <p:cNvPr id="3" name="Content Placeholder 2"/>
+          <p:cNvSpPr>
+            <a:spLocks noGrp="1"/>
+          </p:cNvSpPr>
+          <p:nvPr>
+            <p:ph idx="1"/>
+          </p:nvPr>
+        </p:nvSpPr>
+        <p:spPr/>
+        <p:txBody>
+          <a:bodyPr/>
+          <a:lstStyle/>
+          <a:p>
+            <a:endParaRPr lang="en-US"/>
           </a:p>
         </p:txBody>
       </p:sp>
     </p:spTree>
+    <p:extLst>
+      <p:ext uri="{BB962C8B-B14F-4D97-AF65-F5344CB8AC3E}">
+        <p14:creationId xmlns:p14="http://schemas.microsoft.com/office/powerpoint/2010/main" val="2855583379"/>
+      </p:ext>
+    </p:extLst>
   </p:cSld>
   <p:clrMapOvr>
     <a:masterClrMapping/>
@@ -3444,7 +3441,7 @@
 </p:sld>
 </file>
 
-<file path=ppt/slides/slide2.xml><?xml version="1.0" encoding="utf-8"?>
+<file path=ppt/slides/slide12.xml><?xml version="1.0" encoding="utf-8"?>
 <p:sld xmlns:a="http://schemas.openxmlformats.org/drawingml/2006/main" xmlns:r="http://schemas.openxmlformats.org/officeDocument/2006/relationships" xmlns:p="http://schemas.openxmlformats.org/presentationml/2006/main">
   <p:cSld>
     <p:spTree>
@@ -3478,9 +3475,9 @@
           <a:p>
             <a:r>
               <a:rPr lang="en-US" dirty="0" smtClean="0"/>
-              <a:t>Problem Description</a:t>
-            </a:r>
-            <a:endParaRPr lang="en-IN" dirty="0"/>
+              <a:t>Adaptations</a:t>
+            </a:r>
+            <a:endParaRPr lang="en-US" dirty="0"/>
           </a:p>
         </p:txBody>
       </p:sp>
@@ -3499,47 +3496,24 @@
           <a:bodyPr/>
           <a:lstStyle/>
           <a:p>
-            <a:pPr>
-              <a:buNone/>
-            </a:pPr>
-            <a:r>
-              <a:rPr lang="en-US" dirty="0"/>
-              <a:t>	</a:t>
-            </a:r>
-            <a:r>
-              <a:rPr lang="en-US" dirty="0" smtClean="0"/>
-              <a:t>I have a collection of 100 photos of birds, and know which ones are robins. I don’t know anything about birds? </a:t>
-            </a:r>
-            <a:endParaRPr lang="en-US" dirty="0"/>
-          </a:p>
-          <a:p>
-            <a:pPr algn="ctr">
-              <a:buNone/>
-            </a:pPr>
-            <a:r>
-              <a:rPr lang="en-US" sz="4800" i="1" dirty="0" smtClean="0"/>
-              <a:t>“How can I get an accurate result set?”</a:t>
-            </a:r>
-            <a:endParaRPr lang="en-IN" sz="4800" i="1" dirty="0"/>
+            <a:endParaRPr lang="en-US"/>
           </a:p>
         </p:txBody>
       </p:sp>
     </p:spTree>
+    <p:extLst>
+      <p:ext uri="{BB962C8B-B14F-4D97-AF65-F5344CB8AC3E}">
+        <p14:creationId xmlns:p14="http://schemas.microsoft.com/office/powerpoint/2010/main" val="819099167"/>
+      </p:ext>
+    </p:extLst>
   </p:cSld>
   <p:clrMapOvr>
     <a:masterClrMapping/>
   </p:clrMapOvr>
-  <p:timing>
-    <p:tnLst>
-      <p:par>
-        <p:cTn xmlns:p14="http://schemas.microsoft.com/office/powerpoint/2010/main" id="1" dur="indefinite" restart="never" nodeType="tmRoot"/>
-      </p:par>
-    </p:tnLst>
-  </p:timing>
 </p:sld>
 </file>
 
-<file path=ppt/slides/slide3.xml><?xml version="1.0" encoding="utf-8"?>
+<file path=ppt/slides/slide13.xml><?xml version="1.0" encoding="utf-8"?>
 <p:sld xmlns:a="http://schemas.openxmlformats.org/drawingml/2006/main" xmlns:r="http://schemas.openxmlformats.org/officeDocument/2006/relationships" xmlns:p="http://schemas.openxmlformats.org/presentationml/2006/main">
   <p:cSld>
     <p:spTree>
@@ -3568,14 +3542,16 @@
         </p:nvSpPr>
         <p:spPr/>
         <p:txBody>
-          <a:bodyPr/>
+          <a:bodyPr>
+            <a:normAutofit/>
+          </a:bodyPr>
           <a:lstStyle/>
           <a:p>
             <a:r>
               <a:rPr lang="en-US" dirty="0" smtClean="0"/>
-              <a:t>Crowdsourcing</a:t>
-            </a:r>
-            <a:endParaRPr lang="en-US" dirty="0"/>
+              <a:t>Software Engineering Practices</a:t>
+            </a:r>
+            <a:endParaRPr lang="en-IN" dirty="0"/>
           </a:p>
         </p:txBody>
       </p:sp>
@@ -3591,146 +3567,44 @@
         </p:nvSpPr>
         <p:spPr/>
         <p:txBody>
-          <a:bodyPr/>
-          <a:lstStyle/>
-          <a:p>
-            <a:r>
-              <a:rPr lang="en-US" dirty="0" smtClean="0"/>
-              <a:t>What is it?</a:t>
-            </a:r>
-          </a:p>
-          <a:p>
-            <a:endParaRPr lang="en-US" dirty="0" smtClean="0"/>
-          </a:p>
-          <a:p>
-            <a:r>
-              <a:rPr lang="en-US" dirty="0" smtClean="0"/>
-              <a:t>Why is it needed?</a:t>
-            </a:r>
-          </a:p>
-          <a:p>
-            <a:endParaRPr lang="en-US" dirty="0" smtClean="0"/>
-          </a:p>
-          <a:p>
-            <a:r>
-              <a:rPr lang="en-US" dirty="0" smtClean="0"/>
-              <a:t>Who uses it?</a:t>
-            </a:r>
-          </a:p>
-        </p:txBody>
-      </p:sp>
-    </p:spTree>
-    <p:extLst>
-      <p:ext uri="{BB962C8B-B14F-4D97-AF65-F5344CB8AC3E}">
-        <p14:creationId xmlns:p14="http://schemas.microsoft.com/office/powerpoint/2010/main" val="2573779045"/>
-      </p:ext>
-    </p:extLst>
-  </p:cSld>
-  <p:clrMapOvr>
-    <a:masterClrMapping/>
-  </p:clrMapOvr>
-</p:sld>
-</file>
-
-<file path=ppt/slides/slide4.xml><?xml version="1.0" encoding="utf-8"?>
-<p:sld xmlns:a="http://schemas.openxmlformats.org/drawingml/2006/main" xmlns:r="http://schemas.openxmlformats.org/officeDocument/2006/relationships" xmlns:p="http://schemas.openxmlformats.org/presentationml/2006/main">
-  <p:cSld>
-    <p:spTree>
-      <p:nvGrpSpPr>
-        <p:cNvPr id="1" name=""/>
-        <p:cNvGrpSpPr/>
-        <p:nvPr/>
-      </p:nvGrpSpPr>
-      <p:grpSpPr>
-        <a:xfrm>
-          <a:off x="0" y="0"/>
-          <a:ext cx="0" cy="0"/>
-          <a:chOff x="0" y="0"/>
-          <a:chExt cx="0" cy="0"/>
-        </a:xfrm>
-      </p:grpSpPr>
-      <p:sp>
-        <p:nvSpPr>
-          <p:cNvPr id="2" name="Title 1"/>
-          <p:cNvSpPr>
-            <a:spLocks noGrp="1"/>
-          </p:cNvSpPr>
-          <p:nvPr>
-            <p:ph type="title"/>
-          </p:nvPr>
-        </p:nvSpPr>
-        <p:spPr/>
-        <p:txBody>
-          <a:bodyPr/>
-          <a:lstStyle/>
-          <a:p>
-            <a:r>
-              <a:rPr lang="en-US" dirty="0" smtClean="0"/>
-              <a:t>What’s out there</a:t>
-            </a:r>
-            <a:endParaRPr lang="en-IN" dirty="0"/>
-          </a:p>
-        </p:txBody>
-      </p:sp>
-      <p:sp>
-        <p:nvSpPr>
-          <p:cNvPr id="3" name="Content Placeholder 2"/>
-          <p:cNvSpPr>
-            <a:spLocks noGrp="1"/>
-          </p:cNvSpPr>
-          <p:nvPr>
-            <p:ph idx="1"/>
-          </p:nvPr>
-        </p:nvSpPr>
-        <p:spPr/>
-        <p:txBody>
-          <a:bodyPr/>
-          <a:lstStyle/>
-          <a:p>
-            <a:r>
-              <a:rPr lang="en-US" dirty="0" smtClean="0"/>
-              <a:t>Main </a:t>
-            </a:r>
-            <a:r>
-              <a:rPr lang="en-US" sz="3000" dirty="0" smtClean="0"/>
-              <a:t>competitors</a:t>
-            </a:r>
-            <a:r>
-              <a:rPr lang="en-US" dirty="0" smtClean="0"/>
-              <a:t>:</a:t>
-            </a:r>
-          </a:p>
-          <a:p>
-            <a:pPr lvl="1"/>
-            <a:r>
-              <a:rPr lang="en-US" dirty="0" smtClean="0"/>
-              <a:t>Amazon’s Mechanical </a:t>
-            </a:r>
-            <a:r>
-              <a:rPr lang="en-US" dirty="0" smtClean="0"/>
-              <a:t>Turk</a:t>
-            </a:r>
-            <a:endParaRPr lang="en-US" dirty="0" smtClean="0"/>
-          </a:p>
-          <a:p>
-            <a:pPr lvl="1"/>
-            <a:r>
-              <a:rPr lang="en-US" dirty="0" err="1" smtClean="0"/>
-              <a:t>Microworkers</a:t>
-            </a:r>
-            <a:endParaRPr lang="en-US" dirty="0" smtClean="0"/>
-          </a:p>
-          <a:p>
-            <a:pPr lvl="1"/>
-            <a:r>
-              <a:rPr lang="en-US" dirty="0" err="1" smtClean="0"/>
-              <a:t>StackOverflow</a:t>
-            </a:r>
-            <a:r>
-              <a:rPr lang="en-US" dirty="0" smtClean="0"/>
-              <a:t>/Wikipedia</a:t>
-            </a:r>
-            <a:endParaRPr lang="en-US" sz="800" dirty="0"/>
+          <a:bodyPr>
+            <a:normAutofit/>
+          </a:bodyPr>
+          <a:lstStyle/>
+          <a:p>
+            <a:r>
+              <a:rPr lang="en-US" sz="2800" dirty="0" smtClean="0"/>
+              <a:t>Pair Programming</a:t>
+            </a:r>
+          </a:p>
+          <a:p>
+            <a:r>
+              <a:rPr lang="en-US" sz="2800" dirty="0" smtClean="0"/>
+              <a:t>Testing each other’s code</a:t>
+            </a:r>
+            <a:endParaRPr lang="en-US" sz="2800" dirty="0" smtClean="0"/>
+          </a:p>
+          <a:p>
+            <a:r>
+              <a:rPr lang="en-US" sz="2800" dirty="0" smtClean="0"/>
+              <a:t>Informative workspace</a:t>
+            </a:r>
+          </a:p>
+          <a:p>
+            <a:r>
+              <a:rPr lang="en-US" sz="2800" dirty="0" smtClean="0"/>
+              <a:t>Stand up </a:t>
+            </a:r>
+            <a:r>
+              <a:rPr lang="en-US" sz="2800" dirty="0" smtClean="0"/>
+              <a:t>meetings</a:t>
+            </a:r>
+          </a:p>
+          <a:p>
+            <a:r>
+              <a:rPr lang="en-US" sz="2800" dirty="0" smtClean="0"/>
+              <a:t>Database Token</a:t>
+            </a:r>
           </a:p>
         </p:txBody>
       </p:sp>
@@ -3749,329 +3623,7 @@
 </p:sld>
 </file>
 
-<file path=ppt/slides/slide5.xml><?xml version="1.0" encoding="utf-8"?>
-<p:sld xmlns:a="http://schemas.openxmlformats.org/drawingml/2006/main" xmlns:r="http://schemas.openxmlformats.org/officeDocument/2006/relationships" xmlns:p="http://schemas.openxmlformats.org/presentationml/2006/main">
-  <p:cSld>
-    <p:spTree>
-      <p:nvGrpSpPr>
-        <p:cNvPr id="1" name=""/>
-        <p:cNvGrpSpPr/>
-        <p:nvPr/>
-      </p:nvGrpSpPr>
-      <p:grpSpPr>
-        <a:xfrm>
-          <a:off x="0" y="0"/>
-          <a:ext cx="0" cy="0"/>
-          <a:chOff x="0" y="0"/>
-          <a:chExt cx="0" cy="0"/>
-        </a:xfrm>
-      </p:grpSpPr>
-      <p:sp>
-        <p:nvSpPr>
-          <p:cNvPr id="2" name="Title 1"/>
-          <p:cNvSpPr>
-            <a:spLocks noGrp="1"/>
-          </p:cNvSpPr>
-          <p:nvPr>
-            <p:ph type="title"/>
-          </p:nvPr>
-        </p:nvSpPr>
-        <p:spPr/>
-        <p:txBody>
-          <a:bodyPr/>
-          <a:lstStyle/>
-          <a:p>
-            <a:endParaRPr lang="en-US"/>
-          </a:p>
-        </p:txBody>
-      </p:sp>
-      <p:sp>
-        <p:nvSpPr>
-          <p:cNvPr id="3" name="Content Placeholder 2"/>
-          <p:cNvSpPr>
-            <a:spLocks noGrp="1"/>
-          </p:cNvSpPr>
-          <p:nvPr>
-            <p:ph idx="1"/>
-          </p:nvPr>
-        </p:nvSpPr>
-        <p:spPr/>
-        <p:txBody>
-          <a:bodyPr/>
-          <a:lstStyle/>
-          <a:p>
-            <a:endParaRPr lang="en-US" dirty="0"/>
-          </a:p>
-        </p:txBody>
-      </p:sp>
-      <p:pic>
-        <p:nvPicPr>
-          <p:cNvPr id="4" name="Picture 3" descr="redundancy.png"/>
-          <p:cNvPicPr>
-            <a:picLocks noChangeAspect="1"/>
-          </p:cNvPicPr>
-          <p:nvPr/>
-        </p:nvPicPr>
-        <p:blipFill rotWithShape="1">
-          <a:blip r:embed="rId2">
-            <a:extLst>
-              <a:ext uri="{28A0092B-C50C-407E-A947-70E740481C1C}">
-                <a14:useLocalDpi xmlns:a14="http://schemas.microsoft.com/office/drawing/2010/main" val="0"/>
-              </a:ext>
-            </a:extLst>
-          </a:blip>
-          <a:srcRect l="122" r="7522"/>
-          <a:stretch/>
-        </p:blipFill>
-        <p:spPr>
-          <a:xfrm>
-            <a:off x="107504" y="1628800"/>
-            <a:ext cx="8892480" cy="1872208"/>
-          </a:xfrm>
-          <a:prstGeom prst="rect">
-            <a:avLst/>
-          </a:prstGeom>
-          <a:ln>
-            <a:noFill/>
-          </a:ln>
-          <a:effectLst>
-            <a:outerShdw blurRad="190500" algn="tl" rotWithShape="0">
-              <a:srgbClr val="000000">
-                <a:alpha val="70000"/>
-              </a:srgbClr>
-            </a:outerShdw>
-          </a:effectLst>
-        </p:spPr>
-      </p:pic>
-    </p:spTree>
-    <p:extLst>
-      <p:ext uri="{BB962C8B-B14F-4D97-AF65-F5344CB8AC3E}">
-        <p14:creationId xmlns:p14="http://schemas.microsoft.com/office/powerpoint/2010/main" val="2960212911"/>
-      </p:ext>
-    </p:extLst>
-  </p:cSld>
-  <p:clrMapOvr>
-    <a:masterClrMapping/>
-  </p:clrMapOvr>
-  <p:timing>
-    <p:tnLst>
-      <p:par>
-        <p:cTn xmlns:p14="http://schemas.microsoft.com/office/powerpoint/2010/main" id="1" dur="indefinite" restart="never" nodeType="tmRoot"/>
-      </p:par>
-    </p:tnLst>
-  </p:timing>
-</p:sld>
-</file>
-
-<file path=ppt/slides/slide6.xml><?xml version="1.0" encoding="utf-8"?>
-<p:sld xmlns:a="http://schemas.openxmlformats.org/drawingml/2006/main" xmlns:r="http://schemas.openxmlformats.org/officeDocument/2006/relationships" xmlns:p="http://schemas.openxmlformats.org/presentationml/2006/main">
-  <p:cSld>
-    <p:spTree>
-      <p:nvGrpSpPr>
-        <p:cNvPr id="1" name=""/>
-        <p:cNvGrpSpPr/>
-        <p:nvPr/>
-      </p:nvGrpSpPr>
-      <p:grpSpPr>
-        <a:xfrm>
-          <a:off x="0" y="0"/>
-          <a:ext cx="0" cy="0"/>
-          <a:chOff x="0" y="0"/>
-          <a:chExt cx="0" cy="0"/>
-        </a:xfrm>
-      </p:grpSpPr>
-      <p:sp>
-        <p:nvSpPr>
-          <p:cNvPr id="2" name="Title 1"/>
-          <p:cNvSpPr>
-            <a:spLocks noGrp="1"/>
-          </p:cNvSpPr>
-          <p:nvPr>
-            <p:ph type="title"/>
-          </p:nvPr>
-        </p:nvSpPr>
-        <p:spPr/>
-        <p:txBody>
-          <a:bodyPr/>
-          <a:lstStyle/>
-          <a:p>
-            <a:r>
-              <a:rPr lang="en-US" dirty="0" smtClean="0"/>
-              <a:t>Proposed Solution</a:t>
-            </a:r>
-            <a:endParaRPr lang="en-IN" dirty="0"/>
-          </a:p>
-        </p:txBody>
-      </p:sp>
-      <p:sp>
-        <p:nvSpPr>
-          <p:cNvPr id="3" name="Content Placeholder 2"/>
-          <p:cNvSpPr>
-            <a:spLocks noGrp="1"/>
-          </p:cNvSpPr>
-          <p:nvPr>
-            <p:ph idx="1"/>
-          </p:nvPr>
-        </p:nvSpPr>
-        <p:spPr/>
-        <p:txBody>
-          <a:bodyPr>
-            <a:normAutofit/>
-          </a:bodyPr>
-          <a:lstStyle/>
-          <a:p>
-            <a:r>
-              <a:rPr lang="en-US" sz="2800" dirty="0" smtClean="0"/>
-              <a:t>General purpose online crowdsourcing platform</a:t>
-            </a:r>
-          </a:p>
-          <a:p>
-            <a:endParaRPr lang="en-US" sz="2800" dirty="0" smtClean="0"/>
-          </a:p>
-          <a:p>
-            <a:r>
-              <a:rPr lang="en-US" sz="2800" dirty="0" smtClean="0"/>
-              <a:t>Analyses the crowd</a:t>
-            </a:r>
-          </a:p>
-          <a:p>
-            <a:endParaRPr lang="en-US" sz="2800" dirty="0" smtClean="0"/>
-          </a:p>
-          <a:p>
-            <a:r>
-              <a:rPr lang="en-US" sz="2800" dirty="0" smtClean="0"/>
-              <a:t>Gives accurate results</a:t>
-            </a:r>
-            <a:endParaRPr lang="en-US" sz="2800" dirty="0" smtClean="0"/>
-          </a:p>
-        </p:txBody>
-      </p:sp>
-    </p:spTree>
-  </p:cSld>
-  <p:clrMapOvr>
-    <a:masterClrMapping/>
-  </p:clrMapOvr>
-  <p:timing>
-    <p:tnLst>
-      <p:par>
-        <p:cTn xmlns:p14="http://schemas.microsoft.com/office/powerpoint/2010/main" id="1" dur="indefinite" restart="never" nodeType="tmRoot"/>
-      </p:par>
-    </p:tnLst>
-  </p:timing>
-</p:sld>
-</file>
-
-<file path=ppt/slides/slide7.xml><?xml version="1.0" encoding="utf-8"?>
-<p:sld xmlns:a="http://schemas.openxmlformats.org/drawingml/2006/main" xmlns:r="http://schemas.openxmlformats.org/officeDocument/2006/relationships" xmlns:p="http://schemas.openxmlformats.org/presentationml/2006/main">
-  <p:cSld>
-    <p:spTree>
-      <p:nvGrpSpPr>
-        <p:cNvPr id="1" name=""/>
-        <p:cNvGrpSpPr/>
-        <p:nvPr/>
-      </p:nvGrpSpPr>
-      <p:grpSpPr>
-        <a:xfrm>
-          <a:off x="0" y="0"/>
-          <a:ext cx="0" cy="0"/>
-          <a:chOff x="0" y="0"/>
-          <a:chExt cx="0" cy="0"/>
-        </a:xfrm>
-      </p:grpSpPr>
-      <p:sp>
-        <p:nvSpPr>
-          <p:cNvPr id="2" name="Title 1"/>
-          <p:cNvSpPr>
-            <a:spLocks noGrp="1"/>
-          </p:cNvSpPr>
-          <p:nvPr>
-            <p:ph type="title"/>
-          </p:nvPr>
-        </p:nvSpPr>
-        <p:spPr/>
-        <p:txBody>
-          <a:bodyPr>
-            <a:normAutofit/>
-          </a:bodyPr>
-          <a:lstStyle/>
-          <a:p>
-            <a:r>
-              <a:rPr lang="en-US" dirty="0" smtClean="0"/>
-              <a:t>Software Engineering Practices</a:t>
-            </a:r>
-            <a:endParaRPr lang="en-IN" dirty="0"/>
-          </a:p>
-        </p:txBody>
-      </p:sp>
-      <p:sp>
-        <p:nvSpPr>
-          <p:cNvPr id="3" name="Content Placeholder 2"/>
-          <p:cNvSpPr>
-            <a:spLocks noGrp="1"/>
-          </p:cNvSpPr>
-          <p:nvPr>
-            <p:ph idx="1"/>
-          </p:nvPr>
-        </p:nvSpPr>
-        <p:spPr/>
-        <p:txBody>
-          <a:bodyPr>
-            <a:normAutofit/>
-          </a:bodyPr>
-          <a:lstStyle/>
-          <a:p>
-            <a:r>
-              <a:rPr lang="en-US" sz="2800" dirty="0" smtClean="0"/>
-              <a:t>Pair Programming</a:t>
-            </a:r>
-          </a:p>
-          <a:p>
-            <a:r>
-              <a:rPr lang="en-US" sz="2800" dirty="0" smtClean="0"/>
-              <a:t>Testing each other’s code</a:t>
-            </a:r>
-            <a:endParaRPr lang="en-US" sz="2800" dirty="0" smtClean="0"/>
-          </a:p>
-          <a:p>
-            <a:r>
-              <a:rPr lang="en-US" sz="2800" dirty="0" smtClean="0"/>
-              <a:t>Informative workspace</a:t>
-            </a:r>
-          </a:p>
-          <a:p>
-            <a:r>
-              <a:rPr lang="en-US" sz="2800" dirty="0" smtClean="0"/>
-              <a:t>Stand up </a:t>
-            </a:r>
-            <a:r>
-              <a:rPr lang="en-US" sz="2800" dirty="0" smtClean="0"/>
-              <a:t>meetings</a:t>
-            </a:r>
-          </a:p>
-          <a:p>
-            <a:r>
-              <a:rPr lang="en-US" sz="2800" dirty="0" smtClean="0"/>
-              <a:t>Database Token</a:t>
-            </a:r>
-          </a:p>
-        </p:txBody>
-      </p:sp>
-    </p:spTree>
-  </p:cSld>
-  <p:clrMapOvr>
-    <a:masterClrMapping/>
-  </p:clrMapOvr>
-  <p:timing>
-    <p:tnLst>
-      <p:par>
-        <p:cTn xmlns:p14="http://schemas.microsoft.com/office/powerpoint/2010/main" id="1" dur="indefinite" restart="never" nodeType="tmRoot"/>
-      </p:par>
-    </p:tnLst>
-  </p:timing>
-</p:sld>
-</file>
-
-<file path=ppt/slides/slide8.xml><?xml version="1.0" encoding="utf-8"?>
+<file path=ppt/slides/slide14.xml><?xml version="1.0" encoding="utf-8"?>
 <p:sld xmlns:a="http://schemas.openxmlformats.org/drawingml/2006/main" xmlns:r="http://schemas.openxmlformats.org/officeDocument/2006/relationships" xmlns:p="http://schemas.openxmlformats.org/presentationml/2006/main">
   <p:cSld>
     <p:spTree>
@@ -4237,6 +3789,956 @@
 </p:sld>
 </file>
 
+<file path=ppt/slides/slide15.xml><?xml version="1.0" encoding="utf-8"?>
+<p:sld xmlns:a="http://schemas.openxmlformats.org/drawingml/2006/main" xmlns:r="http://schemas.openxmlformats.org/officeDocument/2006/relationships" xmlns:p="http://schemas.openxmlformats.org/presentationml/2006/main">
+  <p:cSld>
+    <p:spTree>
+      <p:nvGrpSpPr>
+        <p:cNvPr id="1" name=""/>
+        <p:cNvGrpSpPr/>
+        <p:nvPr/>
+      </p:nvGrpSpPr>
+      <p:grpSpPr>
+        <a:xfrm>
+          <a:off x="0" y="0"/>
+          <a:ext cx="0" cy="0"/>
+          <a:chOff x="0" y="0"/>
+          <a:chExt cx="0" cy="0"/>
+        </a:xfrm>
+      </p:grpSpPr>
+      <p:sp>
+        <p:nvSpPr>
+          <p:cNvPr id="2" name="Title 1"/>
+          <p:cNvSpPr>
+            <a:spLocks noGrp="1"/>
+          </p:cNvSpPr>
+          <p:nvPr>
+            <p:ph type="title"/>
+          </p:nvPr>
+        </p:nvSpPr>
+        <p:spPr/>
+        <p:txBody>
+          <a:bodyPr/>
+          <a:lstStyle/>
+          <a:p>
+            <a:r>
+              <a:rPr lang="en-IN" dirty="0" smtClean="0"/>
+              <a:t>Enhancements</a:t>
+            </a:r>
+            <a:endParaRPr lang="en-IN" dirty="0"/>
+          </a:p>
+        </p:txBody>
+      </p:sp>
+      <p:sp>
+        <p:nvSpPr>
+          <p:cNvPr id="3" name="Content Placeholder 2"/>
+          <p:cNvSpPr>
+            <a:spLocks noGrp="1"/>
+          </p:cNvSpPr>
+          <p:nvPr>
+            <p:ph idx="1"/>
+          </p:nvPr>
+        </p:nvSpPr>
+        <p:spPr/>
+        <p:txBody>
+          <a:bodyPr/>
+          <a:lstStyle/>
+          <a:p>
+            <a:r>
+              <a:rPr lang="en-US" dirty="0" smtClean="0"/>
+              <a:t>Hybrid computing</a:t>
+            </a:r>
+            <a:endParaRPr lang="en-US" dirty="0" smtClean="0"/>
+          </a:p>
+          <a:p>
+            <a:pPr>
+              <a:buNone/>
+            </a:pPr>
+            <a:endParaRPr lang="en-US" dirty="0" smtClean="0"/>
+          </a:p>
+          <a:p>
+            <a:r>
+              <a:rPr lang="en-US" dirty="0" smtClean="0"/>
+              <a:t>Dynamic </a:t>
+            </a:r>
+            <a:r>
+              <a:rPr lang="en-US" dirty="0" smtClean="0"/>
+              <a:t>pricing model</a:t>
+            </a:r>
+            <a:endParaRPr lang="en-US" dirty="0" smtClean="0"/>
+          </a:p>
+          <a:p>
+            <a:pPr>
+              <a:buNone/>
+            </a:pPr>
+            <a:endParaRPr lang="en-US" dirty="0" smtClean="0"/>
+          </a:p>
+          <a:p>
+            <a:r>
+              <a:rPr lang="en-US" dirty="0" smtClean="0"/>
+              <a:t>Mobile </a:t>
+            </a:r>
+            <a:r>
+              <a:rPr lang="en-US" dirty="0" smtClean="0"/>
+              <a:t>app</a:t>
+            </a:r>
+            <a:endParaRPr lang="en-IN" dirty="0"/>
+          </a:p>
+        </p:txBody>
+      </p:sp>
+    </p:spTree>
+  </p:cSld>
+  <p:clrMapOvr>
+    <a:masterClrMapping/>
+  </p:clrMapOvr>
+  <p:timing>
+    <p:tnLst>
+      <p:par>
+        <p:cTn xmlns:p14="http://schemas.microsoft.com/office/powerpoint/2010/main" id="1" dur="indefinite" restart="never" nodeType="tmRoot"/>
+      </p:par>
+    </p:tnLst>
+  </p:timing>
+</p:sld>
+</file>
+
+<file path=ppt/slides/slide16.xml><?xml version="1.0" encoding="utf-8"?>
+<p:sld xmlns:a="http://schemas.openxmlformats.org/drawingml/2006/main" xmlns:r="http://schemas.openxmlformats.org/officeDocument/2006/relationships" xmlns:p="http://schemas.openxmlformats.org/presentationml/2006/main">
+  <p:cSld>
+    <p:spTree>
+      <p:nvGrpSpPr>
+        <p:cNvPr id="1" name=""/>
+        <p:cNvGrpSpPr/>
+        <p:nvPr/>
+      </p:nvGrpSpPr>
+      <p:grpSpPr>
+        <a:xfrm>
+          <a:off x="0" y="0"/>
+          <a:ext cx="0" cy="0"/>
+          <a:chOff x="0" y="0"/>
+          <a:chExt cx="0" cy="0"/>
+        </a:xfrm>
+      </p:grpSpPr>
+      <p:sp>
+        <p:nvSpPr>
+          <p:cNvPr id="2" name="Title 1"/>
+          <p:cNvSpPr>
+            <a:spLocks noGrp="1"/>
+          </p:cNvSpPr>
+          <p:nvPr>
+            <p:ph type="title"/>
+          </p:nvPr>
+        </p:nvSpPr>
+        <p:spPr/>
+        <p:txBody>
+          <a:bodyPr/>
+          <a:lstStyle/>
+          <a:p>
+            <a:r>
+              <a:rPr lang="en-US" dirty="0" smtClean="0"/>
+              <a:t>Conclusions</a:t>
+            </a:r>
+            <a:endParaRPr lang="en-IN" dirty="0"/>
+          </a:p>
+        </p:txBody>
+      </p:sp>
+      <p:sp>
+        <p:nvSpPr>
+          <p:cNvPr id="3" name="Content Placeholder 2"/>
+          <p:cNvSpPr>
+            <a:spLocks noGrp="1"/>
+          </p:cNvSpPr>
+          <p:nvPr>
+            <p:ph idx="1"/>
+          </p:nvPr>
+        </p:nvSpPr>
+        <p:spPr/>
+        <p:txBody>
+          <a:bodyPr/>
+          <a:lstStyle/>
+          <a:p>
+            <a:r>
+              <a:rPr lang="en-US" dirty="0" smtClean="0"/>
+              <a:t>Successfully developed a generic framework</a:t>
+            </a:r>
+          </a:p>
+          <a:p>
+            <a:r>
+              <a:rPr lang="en-US" dirty="0" err="1" smtClean="0"/>
+              <a:t>Generalised</a:t>
+            </a:r>
+            <a:r>
+              <a:rPr lang="en-US" dirty="0" smtClean="0"/>
+              <a:t> EM algorithm to obtain optimum number of people to ask.</a:t>
+            </a:r>
+          </a:p>
+          <a:p>
+            <a:r>
+              <a:rPr lang="en-US" dirty="0" smtClean="0"/>
+              <a:t>Produced an easy to use website which allowed people to </a:t>
+            </a:r>
+            <a:r>
+              <a:rPr lang="en-US" smtClean="0"/>
+              <a:t>complete tasks</a:t>
+            </a:r>
+            <a:endParaRPr lang="en-US" dirty="0" smtClean="0"/>
+          </a:p>
+        </p:txBody>
+      </p:sp>
+    </p:spTree>
+  </p:cSld>
+  <p:clrMapOvr>
+    <a:masterClrMapping/>
+  </p:clrMapOvr>
+  <p:timing>
+    <p:tnLst>
+      <p:par>
+        <p:cTn xmlns:p14="http://schemas.microsoft.com/office/powerpoint/2010/main" id="1" dur="indefinite" restart="never" nodeType="tmRoot"/>
+      </p:par>
+    </p:tnLst>
+  </p:timing>
+</p:sld>
+</file>
+
+<file path=ppt/slides/slide17.xml><?xml version="1.0" encoding="utf-8"?>
+<p:sld xmlns:a="http://schemas.openxmlformats.org/drawingml/2006/main" xmlns:r="http://schemas.openxmlformats.org/officeDocument/2006/relationships" xmlns:p="http://schemas.openxmlformats.org/presentationml/2006/main">
+  <p:cSld>
+    <p:spTree>
+      <p:nvGrpSpPr>
+        <p:cNvPr id="1" name=""/>
+        <p:cNvGrpSpPr/>
+        <p:nvPr/>
+      </p:nvGrpSpPr>
+      <p:grpSpPr>
+        <a:xfrm>
+          <a:off x="0" y="0"/>
+          <a:ext cx="0" cy="0"/>
+          <a:chOff x="0" y="0"/>
+          <a:chExt cx="0" cy="0"/>
+        </a:xfrm>
+      </p:grpSpPr>
+      <p:sp>
+        <p:nvSpPr>
+          <p:cNvPr id="2" name="Title 1"/>
+          <p:cNvSpPr>
+            <a:spLocks noGrp="1"/>
+          </p:cNvSpPr>
+          <p:nvPr>
+            <p:ph type="title"/>
+          </p:nvPr>
+        </p:nvSpPr>
+        <p:spPr>
+          <a:xfrm>
+            <a:off x="457200" y="274638"/>
+            <a:ext cx="8229600" cy="6106690"/>
+          </a:xfrm>
+        </p:spPr>
+        <p:txBody>
+          <a:bodyPr>
+            <a:normAutofit/>
+          </a:bodyPr>
+          <a:lstStyle/>
+          <a:p>
+            <a:r>
+              <a:rPr lang="en-US" sz="6600" dirty="0" smtClean="0"/>
+              <a:t>Thank you for listening!</a:t>
+            </a:r>
+            <a:br>
+              <a:rPr lang="en-US" sz="6600" dirty="0" smtClean="0"/>
+            </a:br>
+            <a:r>
+              <a:rPr lang="en-US" sz="6600" dirty="0" smtClean="0"/>
+              <a:t>Questions?</a:t>
+            </a:r>
+            <a:endParaRPr lang="en-IN" sz="6600" dirty="0"/>
+          </a:p>
+        </p:txBody>
+      </p:sp>
+    </p:spTree>
+  </p:cSld>
+  <p:clrMapOvr>
+    <a:masterClrMapping/>
+  </p:clrMapOvr>
+</p:sld>
+</file>
+
+<file path=ppt/slides/slide2.xml><?xml version="1.0" encoding="utf-8"?>
+<p:sld xmlns:a="http://schemas.openxmlformats.org/drawingml/2006/main" xmlns:r="http://schemas.openxmlformats.org/officeDocument/2006/relationships" xmlns:p="http://schemas.openxmlformats.org/presentationml/2006/main">
+  <p:cSld>
+    <p:spTree>
+      <p:nvGrpSpPr>
+        <p:cNvPr id="1" name=""/>
+        <p:cNvGrpSpPr/>
+        <p:nvPr/>
+      </p:nvGrpSpPr>
+      <p:grpSpPr>
+        <a:xfrm>
+          <a:off x="0" y="0"/>
+          <a:ext cx="0" cy="0"/>
+          <a:chOff x="0" y="0"/>
+          <a:chExt cx="0" cy="0"/>
+        </a:xfrm>
+      </p:grpSpPr>
+      <p:sp>
+        <p:nvSpPr>
+          <p:cNvPr id="2" name="Title 1"/>
+          <p:cNvSpPr>
+            <a:spLocks noGrp="1"/>
+          </p:cNvSpPr>
+          <p:nvPr>
+            <p:ph type="title"/>
+          </p:nvPr>
+        </p:nvSpPr>
+        <p:spPr/>
+        <p:txBody>
+          <a:bodyPr/>
+          <a:lstStyle/>
+          <a:p>
+            <a:endParaRPr lang="en-IN" dirty="0"/>
+          </a:p>
+        </p:txBody>
+      </p:sp>
+      <p:sp>
+        <p:nvSpPr>
+          <p:cNvPr id="3" name="Content Placeholder 2"/>
+          <p:cNvSpPr>
+            <a:spLocks noGrp="1"/>
+          </p:cNvSpPr>
+          <p:nvPr>
+            <p:ph idx="1"/>
+          </p:nvPr>
+        </p:nvSpPr>
+        <p:spPr/>
+        <p:txBody>
+          <a:bodyPr/>
+          <a:lstStyle/>
+          <a:p>
+            <a:pPr>
+              <a:buNone/>
+            </a:pPr>
+            <a:r>
+              <a:rPr lang="en-US" dirty="0"/>
+              <a:t>	</a:t>
+            </a:r>
+            <a:r>
+              <a:rPr lang="en-US" dirty="0" smtClean="0"/>
+              <a:t>I have a collection of 100 photos of birds, and know which ones are robins. I don’t know anything about birds? </a:t>
+            </a:r>
+            <a:endParaRPr lang="en-US" dirty="0"/>
+          </a:p>
+          <a:p>
+            <a:pPr algn="ctr">
+              <a:buNone/>
+            </a:pPr>
+            <a:r>
+              <a:rPr lang="en-US" sz="4800" i="1" dirty="0" smtClean="0"/>
+              <a:t>“How can I get an accurate result set?”</a:t>
+            </a:r>
+            <a:endParaRPr lang="en-IN" sz="4800" i="1" dirty="0"/>
+          </a:p>
+        </p:txBody>
+      </p:sp>
+    </p:spTree>
+  </p:cSld>
+  <p:clrMapOvr>
+    <a:masterClrMapping/>
+  </p:clrMapOvr>
+  <p:timing>
+    <p:tnLst>
+      <p:par>
+        <p:cTn xmlns:p14="http://schemas.microsoft.com/office/powerpoint/2010/main" id="1" dur="indefinite" restart="never" nodeType="tmRoot"/>
+      </p:par>
+    </p:tnLst>
+  </p:timing>
+</p:sld>
+</file>
+
+<file path=ppt/slides/slide3.xml><?xml version="1.0" encoding="utf-8"?>
+<p:sld xmlns:a="http://schemas.openxmlformats.org/drawingml/2006/main" xmlns:r="http://schemas.openxmlformats.org/officeDocument/2006/relationships" xmlns:p="http://schemas.openxmlformats.org/presentationml/2006/main">
+  <p:cSld>
+    <p:spTree>
+      <p:nvGrpSpPr>
+        <p:cNvPr id="1" name=""/>
+        <p:cNvGrpSpPr/>
+        <p:nvPr/>
+      </p:nvGrpSpPr>
+      <p:grpSpPr>
+        <a:xfrm>
+          <a:off x="0" y="0"/>
+          <a:ext cx="0" cy="0"/>
+          <a:chOff x="0" y="0"/>
+          <a:chExt cx="0" cy="0"/>
+        </a:xfrm>
+      </p:grpSpPr>
+      <p:sp>
+        <p:nvSpPr>
+          <p:cNvPr id="2" name="Title 1"/>
+          <p:cNvSpPr>
+            <a:spLocks noGrp="1"/>
+          </p:cNvSpPr>
+          <p:nvPr>
+            <p:ph type="title"/>
+          </p:nvPr>
+        </p:nvSpPr>
+        <p:spPr/>
+        <p:txBody>
+          <a:bodyPr/>
+          <a:lstStyle/>
+          <a:p>
+            <a:r>
+              <a:rPr lang="en-US" dirty="0" smtClean="0"/>
+              <a:t>Crowdsourcing</a:t>
+            </a:r>
+            <a:endParaRPr lang="en-US" dirty="0"/>
+          </a:p>
+        </p:txBody>
+      </p:sp>
+      <p:sp>
+        <p:nvSpPr>
+          <p:cNvPr id="3" name="Content Placeholder 2"/>
+          <p:cNvSpPr>
+            <a:spLocks noGrp="1"/>
+          </p:cNvSpPr>
+          <p:nvPr>
+            <p:ph idx="1"/>
+          </p:nvPr>
+        </p:nvSpPr>
+        <p:spPr/>
+        <p:txBody>
+          <a:bodyPr/>
+          <a:lstStyle/>
+          <a:p>
+            <a:r>
+              <a:rPr lang="en-US" dirty="0" smtClean="0"/>
+              <a:t>What is it?</a:t>
+            </a:r>
+          </a:p>
+          <a:p>
+            <a:endParaRPr lang="en-US" dirty="0" smtClean="0"/>
+          </a:p>
+          <a:p>
+            <a:r>
+              <a:rPr lang="en-US" dirty="0" smtClean="0"/>
+              <a:t>Why is it needed?</a:t>
+            </a:r>
+          </a:p>
+          <a:p>
+            <a:endParaRPr lang="en-US" dirty="0" smtClean="0"/>
+          </a:p>
+          <a:p>
+            <a:r>
+              <a:rPr lang="en-US" dirty="0" smtClean="0"/>
+              <a:t>Who uses it?</a:t>
+            </a:r>
+          </a:p>
+        </p:txBody>
+      </p:sp>
+    </p:spTree>
+    <p:extLst>
+      <p:ext uri="{BB962C8B-B14F-4D97-AF65-F5344CB8AC3E}">
+        <p14:creationId xmlns:p14="http://schemas.microsoft.com/office/powerpoint/2010/main" val="2573779045"/>
+      </p:ext>
+    </p:extLst>
+  </p:cSld>
+  <p:clrMapOvr>
+    <a:masterClrMapping/>
+  </p:clrMapOvr>
+  <p:timing>
+    <p:tnLst>
+      <p:par>
+        <p:cTn xmlns:p14="http://schemas.microsoft.com/office/powerpoint/2010/main" id="1" dur="indefinite" restart="never" nodeType="tmRoot"/>
+      </p:par>
+    </p:tnLst>
+  </p:timing>
+</p:sld>
+</file>
+
+<file path=ppt/slides/slide4.xml><?xml version="1.0" encoding="utf-8"?>
+<p:sld xmlns:a="http://schemas.openxmlformats.org/drawingml/2006/main" xmlns:r="http://schemas.openxmlformats.org/officeDocument/2006/relationships" xmlns:p="http://schemas.openxmlformats.org/presentationml/2006/main">
+  <p:cSld>
+    <p:spTree>
+      <p:nvGrpSpPr>
+        <p:cNvPr id="1" name=""/>
+        <p:cNvGrpSpPr/>
+        <p:nvPr/>
+      </p:nvGrpSpPr>
+      <p:grpSpPr>
+        <a:xfrm>
+          <a:off x="0" y="0"/>
+          <a:ext cx="0" cy="0"/>
+          <a:chOff x="0" y="0"/>
+          <a:chExt cx="0" cy="0"/>
+        </a:xfrm>
+      </p:grpSpPr>
+      <p:sp>
+        <p:nvSpPr>
+          <p:cNvPr id="2" name="Title 1"/>
+          <p:cNvSpPr>
+            <a:spLocks noGrp="1"/>
+          </p:cNvSpPr>
+          <p:nvPr>
+            <p:ph type="title"/>
+          </p:nvPr>
+        </p:nvSpPr>
+        <p:spPr/>
+        <p:txBody>
+          <a:bodyPr/>
+          <a:lstStyle/>
+          <a:p>
+            <a:r>
+              <a:rPr lang="en-US" dirty="0" smtClean="0"/>
+              <a:t>What’s out there</a:t>
+            </a:r>
+            <a:endParaRPr lang="en-IN" dirty="0"/>
+          </a:p>
+        </p:txBody>
+      </p:sp>
+      <p:sp>
+        <p:nvSpPr>
+          <p:cNvPr id="3" name="Content Placeholder 2"/>
+          <p:cNvSpPr>
+            <a:spLocks noGrp="1"/>
+          </p:cNvSpPr>
+          <p:nvPr>
+            <p:ph idx="1"/>
+          </p:nvPr>
+        </p:nvSpPr>
+        <p:spPr/>
+        <p:txBody>
+          <a:bodyPr/>
+          <a:lstStyle/>
+          <a:p>
+            <a:r>
+              <a:rPr lang="en-US" dirty="0" smtClean="0"/>
+              <a:t>Main </a:t>
+            </a:r>
+            <a:r>
+              <a:rPr lang="en-US" sz="3000" dirty="0" smtClean="0"/>
+              <a:t>competitors</a:t>
+            </a:r>
+            <a:r>
+              <a:rPr lang="en-US" dirty="0" smtClean="0"/>
+              <a:t>:</a:t>
+            </a:r>
+          </a:p>
+          <a:p>
+            <a:pPr lvl="1"/>
+            <a:r>
+              <a:rPr lang="en-US" dirty="0" smtClean="0"/>
+              <a:t>Amazon’s Mechanical </a:t>
+            </a:r>
+            <a:r>
+              <a:rPr lang="en-US" dirty="0" smtClean="0"/>
+              <a:t>Turk</a:t>
+            </a:r>
+            <a:endParaRPr lang="en-US" dirty="0" smtClean="0"/>
+          </a:p>
+          <a:p>
+            <a:pPr lvl="1"/>
+            <a:r>
+              <a:rPr lang="en-US" dirty="0" err="1" smtClean="0"/>
+              <a:t>Microworkers</a:t>
+            </a:r>
+            <a:endParaRPr lang="en-US" dirty="0" smtClean="0"/>
+          </a:p>
+          <a:p>
+            <a:pPr lvl="1"/>
+            <a:r>
+              <a:rPr lang="en-US" dirty="0" err="1" smtClean="0"/>
+              <a:t>StackOverflow</a:t>
+            </a:r>
+            <a:r>
+              <a:rPr lang="en-US" dirty="0" smtClean="0"/>
+              <a:t>/Wikipedia</a:t>
+            </a:r>
+            <a:endParaRPr lang="en-US" sz="800" dirty="0"/>
+          </a:p>
+        </p:txBody>
+      </p:sp>
+    </p:spTree>
+  </p:cSld>
+  <p:clrMapOvr>
+    <a:masterClrMapping/>
+  </p:clrMapOvr>
+  <p:timing>
+    <p:tnLst>
+      <p:par>
+        <p:cTn xmlns:p14="http://schemas.microsoft.com/office/powerpoint/2010/main" id="1" dur="indefinite" restart="never" nodeType="tmRoot"/>
+      </p:par>
+    </p:tnLst>
+  </p:timing>
+</p:sld>
+</file>
+
+<file path=ppt/slides/slide5.xml><?xml version="1.0" encoding="utf-8"?>
+<p:sld xmlns:a="http://schemas.openxmlformats.org/drawingml/2006/main" xmlns:r="http://schemas.openxmlformats.org/officeDocument/2006/relationships" xmlns:p="http://schemas.openxmlformats.org/presentationml/2006/main">
+  <p:cSld>
+    <p:spTree>
+      <p:nvGrpSpPr>
+        <p:cNvPr id="1" name=""/>
+        <p:cNvGrpSpPr/>
+        <p:nvPr/>
+      </p:nvGrpSpPr>
+      <p:grpSpPr>
+        <a:xfrm>
+          <a:off x="0" y="0"/>
+          <a:ext cx="0" cy="0"/>
+          <a:chOff x="0" y="0"/>
+          <a:chExt cx="0" cy="0"/>
+        </a:xfrm>
+      </p:grpSpPr>
+      <p:sp>
+        <p:nvSpPr>
+          <p:cNvPr id="2" name="Title 1"/>
+          <p:cNvSpPr>
+            <a:spLocks noGrp="1"/>
+          </p:cNvSpPr>
+          <p:nvPr>
+            <p:ph type="title"/>
+          </p:nvPr>
+        </p:nvSpPr>
+        <p:spPr/>
+        <p:txBody>
+          <a:bodyPr/>
+          <a:lstStyle/>
+          <a:p>
+            <a:endParaRPr lang="en-US"/>
+          </a:p>
+        </p:txBody>
+      </p:sp>
+      <p:sp>
+        <p:nvSpPr>
+          <p:cNvPr id="3" name="Content Placeholder 2"/>
+          <p:cNvSpPr>
+            <a:spLocks noGrp="1"/>
+          </p:cNvSpPr>
+          <p:nvPr>
+            <p:ph idx="1"/>
+          </p:nvPr>
+        </p:nvSpPr>
+        <p:spPr/>
+        <p:txBody>
+          <a:bodyPr/>
+          <a:lstStyle/>
+          <a:p>
+            <a:endParaRPr lang="en-US" dirty="0"/>
+          </a:p>
+        </p:txBody>
+      </p:sp>
+      <p:pic>
+        <p:nvPicPr>
+          <p:cNvPr id="4" name="Picture 3" descr="redundancy.png"/>
+          <p:cNvPicPr>
+            <a:picLocks noChangeAspect="1"/>
+          </p:cNvPicPr>
+          <p:nvPr/>
+        </p:nvPicPr>
+        <p:blipFill rotWithShape="1">
+          <a:blip r:embed="rId2">
+            <a:extLst>
+              <a:ext uri="{28A0092B-C50C-407E-A947-70E740481C1C}">
+                <a14:useLocalDpi xmlns:a14="http://schemas.microsoft.com/office/drawing/2010/main" val="0"/>
+              </a:ext>
+            </a:extLst>
+          </a:blip>
+          <a:srcRect l="122" r="7522"/>
+          <a:stretch/>
+        </p:blipFill>
+        <p:spPr>
+          <a:xfrm>
+            <a:off x="107504" y="1628800"/>
+            <a:ext cx="8892480" cy="1872208"/>
+          </a:xfrm>
+          <a:prstGeom prst="rect">
+            <a:avLst/>
+          </a:prstGeom>
+          <a:ln>
+            <a:noFill/>
+          </a:ln>
+          <a:effectLst>
+            <a:outerShdw blurRad="190500" algn="tl" rotWithShape="0">
+              <a:srgbClr val="000000">
+                <a:alpha val="70000"/>
+              </a:srgbClr>
+            </a:outerShdw>
+          </a:effectLst>
+        </p:spPr>
+      </p:pic>
+    </p:spTree>
+    <p:extLst>
+      <p:ext uri="{BB962C8B-B14F-4D97-AF65-F5344CB8AC3E}">
+        <p14:creationId xmlns:p14="http://schemas.microsoft.com/office/powerpoint/2010/main" val="2960212911"/>
+      </p:ext>
+    </p:extLst>
+  </p:cSld>
+  <p:clrMapOvr>
+    <a:masterClrMapping/>
+  </p:clrMapOvr>
+  <p:timing>
+    <p:tnLst>
+      <p:par>
+        <p:cTn xmlns:p14="http://schemas.microsoft.com/office/powerpoint/2010/main" id="1" dur="indefinite" restart="never" nodeType="tmRoot"/>
+      </p:par>
+    </p:tnLst>
+  </p:timing>
+</p:sld>
+</file>
+
+<file path=ppt/slides/slide6.xml><?xml version="1.0" encoding="utf-8"?>
+<p:sld xmlns:a="http://schemas.openxmlformats.org/drawingml/2006/main" xmlns:r="http://schemas.openxmlformats.org/officeDocument/2006/relationships" xmlns:p="http://schemas.openxmlformats.org/presentationml/2006/main">
+  <p:cSld>
+    <p:spTree>
+      <p:nvGrpSpPr>
+        <p:cNvPr id="1" name=""/>
+        <p:cNvGrpSpPr/>
+        <p:nvPr/>
+      </p:nvGrpSpPr>
+      <p:grpSpPr>
+        <a:xfrm>
+          <a:off x="0" y="0"/>
+          <a:ext cx="0" cy="0"/>
+          <a:chOff x="0" y="0"/>
+          <a:chExt cx="0" cy="0"/>
+        </a:xfrm>
+      </p:grpSpPr>
+      <p:sp>
+        <p:nvSpPr>
+          <p:cNvPr id="2" name="Title 1"/>
+          <p:cNvSpPr>
+            <a:spLocks noGrp="1"/>
+          </p:cNvSpPr>
+          <p:nvPr>
+            <p:ph type="title"/>
+          </p:nvPr>
+        </p:nvSpPr>
+        <p:spPr/>
+        <p:txBody>
+          <a:bodyPr/>
+          <a:lstStyle/>
+          <a:p>
+            <a:r>
+              <a:rPr lang="en-US" dirty="0" smtClean="0"/>
+              <a:t>Proposed Solution</a:t>
+            </a:r>
+            <a:endParaRPr lang="en-IN" dirty="0"/>
+          </a:p>
+        </p:txBody>
+      </p:sp>
+      <p:sp>
+        <p:nvSpPr>
+          <p:cNvPr id="3" name="Content Placeholder 2"/>
+          <p:cNvSpPr>
+            <a:spLocks noGrp="1"/>
+          </p:cNvSpPr>
+          <p:nvPr>
+            <p:ph idx="1"/>
+          </p:nvPr>
+        </p:nvSpPr>
+        <p:spPr/>
+        <p:txBody>
+          <a:bodyPr>
+            <a:normAutofit/>
+          </a:bodyPr>
+          <a:lstStyle/>
+          <a:p>
+            <a:r>
+              <a:rPr lang="en-US" sz="2800" dirty="0" smtClean="0"/>
+              <a:t>General purpose online crowdsourcing platform</a:t>
+            </a:r>
+          </a:p>
+          <a:p>
+            <a:endParaRPr lang="en-US" sz="2800" dirty="0" smtClean="0"/>
+          </a:p>
+          <a:p>
+            <a:r>
+              <a:rPr lang="en-US" sz="2800" dirty="0" smtClean="0"/>
+              <a:t>Analyses the crowd</a:t>
+            </a:r>
+          </a:p>
+          <a:p>
+            <a:endParaRPr lang="en-US" sz="2800" dirty="0" smtClean="0"/>
+          </a:p>
+          <a:p>
+            <a:r>
+              <a:rPr lang="en-US" sz="2800" dirty="0" smtClean="0"/>
+              <a:t>Gives accurate results</a:t>
+            </a:r>
+            <a:endParaRPr lang="en-US" sz="2800" dirty="0" smtClean="0"/>
+          </a:p>
+        </p:txBody>
+      </p:sp>
+    </p:spTree>
+  </p:cSld>
+  <p:clrMapOvr>
+    <a:masterClrMapping/>
+  </p:clrMapOvr>
+  <p:timing>
+    <p:tnLst>
+      <p:par>
+        <p:cTn xmlns:p14="http://schemas.microsoft.com/office/powerpoint/2010/main" id="1" dur="indefinite" restart="never" nodeType="tmRoot"/>
+      </p:par>
+    </p:tnLst>
+  </p:timing>
+</p:sld>
+</file>
+
+<file path=ppt/slides/slide7.xml><?xml version="1.0" encoding="utf-8"?>
+<p:sld xmlns:a="http://schemas.openxmlformats.org/drawingml/2006/main" xmlns:r="http://schemas.openxmlformats.org/officeDocument/2006/relationships" xmlns:p="http://schemas.openxmlformats.org/presentationml/2006/main">
+  <p:cSld>
+    <p:spTree>
+      <p:nvGrpSpPr>
+        <p:cNvPr id="1" name=""/>
+        <p:cNvGrpSpPr/>
+        <p:nvPr/>
+      </p:nvGrpSpPr>
+      <p:grpSpPr>
+        <a:xfrm>
+          <a:off x="0" y="0"/>
+          <a:ext cx="0" cy="0"/>
+          <a:chOff x="0" y="0"/>
+          <a:chExt cx="0" cy="0"/>
+        </a:xfrm>
+      </p:grpSpPr>
+      <p:sp>
+        <p:nvSpPr>
+          <p:cNvPr id="2" name="Title 1"/>
+          <p:cNvSpPr>
+            <a:spLocks noGrp="1"/>
+          </p:cNvSpPr>
+          <p:nvPr>
+            <p:ph type="title"/>
+          </p:nvPr>
+        </p:nvSpPr>
+        <p:spPr/>
+        <p:txBody>
+          <a:bodyPr/>
+          <a:lstStyle/>
+          <a:p>
+            <a:r>
+              <a:rPr lang="en-US" dirty="0" smtClean="0"/>
+              <a:t>Demo</a:t>
+            </a:r>
+            <a:endParaRPr lang="en-US" dirty="0"/>
+          </a:p>
+        </p:txBody>
+      </p:sp>
+      <p:sp>
+        <p:nvSpPr>
+          <p:cNvPr id="3" name="Content Placeholder 2"/>
+          <p:cNvSpPr>
+            <a:spLocks noGrp="1"/>
+          </p:cNvSpPr>
+          <p:nvPr>
+            <p:ph idx="1"/>
+          </p:nvPr>
+        </p:nvSpPr>
+        <p:spPr/>
+        <p:txBody>
+          <a:bodyPr/>
+          <a:lstStyle/>
+          <a:p>
+            <a:endParaRPr lang="en-US"/>
+          </a:p>
+        </p:txBody>
+      </p:sp>
+    </p:spTree>
+    <p:extLst>
+      <p:ext uri="{BB962C8B-B14F-4D97-AF65-F5344CB8AC3E}">
+        <p14:creationId xmlns:p14="http://schemas.microsoft.com/office/powerpoint/2010/main" val="3590471537"/>
+      </p:ext>
+    </p:extLst>
+  </p:cSld>
+  <p:clrMapOvr>
+    <a:masterClrMapping/>
+  </p:clrMapOvr>
+  <p:timing>
+    <p:tnLst>
+      <p:par>
+        <p:cTn xmlns:p14="http://schemas.microsoft.com/office/powerpoint/2010/main" id="1" dur="indefinite" restart="never" nodeType="tmRoot"/>
+      </p:par>
+    </p:tnLst>
+  </p:timing>
+</p:sld>
+</file>
+
+<file path=ppt/slides/slide8.xml><?xml version="1.0" encoding="utf-8"?>
+<p:sld xmlns:a="http://schemas.openxmlformats.org/drawingml/2006/main" xmlns:r="http://schemas.openxmlformats.org/officeDocument/2006/relationships" xmlns:p="http://schemas.openxmlformats.org/presentationml/2006/main">
+  <p:cSld>
+    <p:spTree>
+      <p:nvGrpSpPr>
+        <p:cNvPr id="1" name=""/>
+        <p:cNvGrpSpPr/>
+        <p:nvPr/>
+      </p:nvGrpSpPr>
+      <p:grpSpPr>
+        <a:xfrm>
+          <a:off x="0" y="0"/>
+          <a:ext cx="0" cy="0"/>
+          <a:chOff x="0" y="0"/>
+          <a:chExt cx="0" cy="0"/>
+        </a:xfrm>
+      </p:grpSpPr>
+      <p:sp>
+        <p:nvSpPr>
+          <p:cNvPr id="2" name="Title 1"/>
+          <p:cNvSpPr>
+            <a:spLocks noGrp="1"/>
+          </p:cNvSpPr>
+          <p:nvPr>
+            <p:ph type="title"/>
+          </p:nvPr>
+        </p:nvSpPr>
+        <p:spPr/>
+        <p:txBody>
+          <a:bodyPr/>
+          <a:lstStyle/>
+          <a:p>
+            <a:r>
+              <a:rPr lang="en-US" dirty="0" smtClean="0"/>
+              <a:t>Under the bonnet</a:t>
+            </a:r>
+            <a:endParaRPr lang="en-US" dirty="0"/>
+          </a:p>
+        </p:txBody>
+      </p:sp>
+      <p:sp>
+        <p:nvSpPr>
+          <p:cNvPr id="3" name="Content Placeholder 2"/>
+          <p:cNvSpPr>
+            <a:spLocks noGrp="1"/>
+          </p:cNvSpPr>
+          <p:nvPr>
+            <p:ph idx="1"/>
+          </p:nvPr>
+        </p:nvSpPr>
+        <p:spPr/>
+        <p:txBody>
+          <a:bodyPr/>
+          <a:lstStyle/>
+          <a:p>
+            <a:endParaRPr lang="en-US"/>
+          </a:p>
+        </p:txBody>
+      </p:sp>
+    </p:spTree>
+    <p:extLst>
+      <p:ext uri="{BB962C8B-B14F-4D97-AF65-F5344CB8AC3E}">
+        <p14:creationId xmlns:p14="http://schemas.microsoft.com/office/powerpoint/2010/main" val="2520305456"/>
+      </p:ext>
+    </p:extLst>
+  </p:cSld>
+  <p:clrMapOvr>
+    <a:masterClrMapping/>
+  </p:clrMapOvr>
+  <p:timing>
+    <p:tnLst>
+      <p:par>
+        <p:cTn xmlns:p14="http://schemas.microsoft.com/office/powerpoint/2010/main" id="1" dur="indefinite" restart="never" nodeType="tmRoot"/>
+      </p:par>
+    </p:tnLst>
+  </p:timing>
+</p:sld>
+</file>
+
 <file path=ppt/slides/slide9.xml><?xml version="1.0" encoding="utf-8"?>
 <p:sld xmlns:a="http://schemas.openxmlformats.org/drawingml/2006/main" xmlns:r="http://schemas.openxmlformats.org/officeDocument/2006/relationships" xmlns:p="http://schemas.openxmlformats.org/presentationml/2006/main">
   <p:cSld>
@@ -4270,10 +4772,10 @@
           <a:lstStyle/>
           <a:p>
             <a:r>
-              <a:rPr lang="en-IN" dirty="0" smtClean="0"/>
-              <a:t>Enhancements</a:t>
-            </a:r>
-            <a:endParaRPr lang="en-IN" dirty="0"/>
+              <a:rPr lang="en-US" dirty="0" smtClean="0"/>
+              <a:t>What’s the right answer?</a:t>
+            </a:r>
+            <a:endParaRPr lang="en-US" dirty="0"/>
           </a:p>
         </p:txBody>
       </p:sp>
@@ -4294,47 +4796,18 @@
           <a:p>
             <a:r>
               <a:rPr lang="en-US" dirty="0" smtClean="0"/>
-              <a:t>Hybrid computing</a:t>
-            </a:r>
-            <a:endParaRPr lang="en-US" dirty="0" smtClean="0"/>
-          </a:p>
-          <a:p>
-            <a:pPr>
-              <a:buNone/>
-            </a:pPr>
-            <a:endParaRPr lang="en-US" dirty="0" smtClean="0"/>
-          </a:p>
-          <a:p>
-            <a:r>
-              <a:rPr lang="en-US" dirty="0" smtClean="0"/>
-              <a:t>Dynamic </a:t>
-            </a:r>
-            <a:r>
-              <a:rPr lang="en-US" smtClean="0"/>
-              <a:t>pricing model</a:t>
-            </a:r>
-            <a:endParaRPr lang="en-US" dirty="0" smtClean="0"/>
-          </a:p>
-          <a:p>
-            <a:pPr>
-              <a:buNone/>
-            </a:pPr>
-            <a:endParaRPr lang="en-US" dirty="0" smtClean="0"/>
-          </a:p>
-          <a:p>
-            <a:r>
-              <a:rPr lang="en-US" dirty="0" smtClean="0"/>
-              <a:t>Mobile </a:t>
-            </a:r>
-            <a:r>
-              <a:rPr lang="en-US" dirty="0" smtClean="0"/>
-              <a:t>app</a:t>
-            </a:r>
-            <a:endParaRPr lang="en-IN" dirty="0"/>
+              <a:t>Based on how good you are?</a:t>
+            </a:r>
+            <a:endParaRPr lang="en-US" dirty="0"/>
           </a:p>
         </p:txBody>
       </p:sp>
     </p:spTree>
+    <p:extLst>
+      <p:ext uri="{BB962C8B-B14F-4D97-AF65-F5344CB8AC3E}">
+        <p14:creationId xmlns:p14="http://schemas.microsoft.com/office/powerpoint/2010/main" val="3225916102"/>
+      </p:ext>
+    </p:extLst>
   </p:cSld>
   <p:clrMapOvr>
     <a:masterClrMapping/>

--- a/presentation/CrowdTrust .pptx
+++ b/presentation/CrowdTrust .pptx
@@ -3345,7 +3345,39 @@
           <a:bodyPr/>
           <a:lstStyle/>
           <a:p>
-            <a:endParaRPr lang="en-US"/>
+            <a:r>
+              <a:rPr lang="en-US" dirty="0"/>
+              <a:t>Based on </a:t>
+            </a:r>
+          </a:p>
+          <a:p>
+            <a:pPr lvl="1"/>
+            <a:r>
+              <a:rPr lang="en-US" dirty="0" smtClean="0"/>
+              <a:t>What we know about you</a:t>
+            </a:r>
+          </a:p>
+          <a:p>
+            <a:pPr lvl="2"/>
+            <a:r>
+              <a:rPr lang="en-US" dirty="0" smtClean="0"/>
+              <a:t>What about trouble makers?</a:t>
+            </a:r>
+            <a:endParaRPr lang="en-US" dirty="0"/>
+          </a:p>
+          <a:p>
+            <a:pPr lvl="1"/>
+            <a:r>
+              <a:rPr lang="en-US" dirty="0" smtClean="0"/>
+              <a:t>New evidence</a:t>
+            </a:r>
+          </a:p>
+          <a:p>
+            <a:pPr lvl="2"/>
+            <a:r>
+              <a:rPr lang="en-US" dirty="0" smtClean="0"/>
+              <a:t>How do we combine it?</a:t>
+            </a:r>
           </a:p>
         </p:txBody>
       </p:sp>
@@ -3424,10 +3456,113 @@
           <a:bodyPr/>
           <a:lstStyle/>
           <a:p>
-            <a:endParaRPr lang="en-US"/>
-          </a:p>
-        </p:txBody>
-      </p:sp>
+            <a:r>
+              <a:rPr lang="en-US" dirty="0" smtClean="0"/>
+              <a:t>E-Step</a:t>
+            </a:r>
+          </a:p>
+          <a:p>
+            <a:endParaRPr lang="en-US" dirty="0" smtClean="0"/>
+          </a:p>
+          <a:p>
+            <a:r>
+              <a:rPr lang="en-US" dirty="0" smtClean="0"/>
+              <a:t>M-Step</a:t>
+            </a:r>
+            <a:endParaRPr lang="en-US" dirty="0"/>
+          </a:p>
+        </p:txBody>
+      </p:sp>
+      <p:pic>
+        <p:nvPicPr>
+          <p:cNvPr id="4" name="Picture 3" descr="0ada3a0c8b4107bff7e5bd45551c722e.png"/>
+          <p:cNvPicPr>
+            <a:picLocks noChangeAspect="1"/>
+          </p:cNvPicPr>
+          <p:nvPr/>
+        </p:nvPicPr>
+        <p:blipFill>
+          <a:blip r:embed="rId2">
+            <a:extLst>
+              <a:ext uri="{28A0092B-C50C-407E-A947-70E740481C1C}">
+                <a14:useLocalDpi xmlns:a14="http://schemas.microsoft.com/office/drawing/2010/main" val="0"/>
+              </a:ext>
+            </a:extLst>
+          </a:blip>
+          <a:stretch>
+            <a:fillRect/>
+          </a:stretch>
+        </p:blipFill>
+        <p:spPr>
+          <a:xfrm>
+            <a:off x="3131840" y="4077072"/>
+            <a:ext cx="2819400" cy="457200"/>
+          </a:xfrm>
+          <a:prstGeom prst="rect">
+            <a:avLst/>
+          </a:prstGeom>
+        </p:spPr>
+      </p:pic>
+      <p:pic>
+        <p:nvPicPr>
+          <p:cNvPr id="5" name="Picture 4" descr="5e48c3658bb2893d425a52e4d31bde3b.png"/>
+          <p:cNvPicPr>
+            <a:picLocks noChangeAspect="1"/>
+          </p:cNvPicPr>
+          <p:nvPr/>
+        </p:nvPicPr>
+        <p:blipFill>
+          <a:blip r:embed="rId3">
+            <a:extLst>
+              <a:ext uri="{28A0092B-C50C-407E-A947-70E740481C1C}">
+                <a14:useLocalDpi xmlns:a14="http://schemas.microsoft.com/office/drawing/2010/main" val="0"/>
+              </a:ext>
+            </a:extLst>
+          </a:blip>
+          <a:stretch>
+            <a:fillRect/>
+          </a:stretch>
+        </p:blipFill>
+        <p:spPr>
+          <a:xfrm>
+            <a:off x="2699792" y="2132856"/>
+            <a:ext cx="3683000" cy="546100"/>
+          </a:xfrm>
+          <a:prstGeom prst="rect">
+            <a:avLst/>
+          </a:prstGeom>
+        </p:spPr>
+      </p:pic>
+      <p:pic>
+        <p:nvPicPr>
+          <p:cNvPr id="6" name="Picture 5" descr="c685c42d963edd857fb2103a437b81c8.png"/>
+          <p:cNvPicPr>
+            <a:picLocks noChangeAspect="1"/>
+          </p:cNvPicPr>
+          <p:nvPr/>
+        </p:nvPicPr>
+        <p:blipFill>
+          <a:blip r:embed="rId4">
+            <a:extLst>
+              <a:ext uri="{28A0092B-C50C-407E-A947-70E740481C1C}">
+                <a14:useLocalDpi xmlns:a14="http://schemas.microsoft.com/office/drawing/2010/main" val="0"/>
+              </a:ext>
+            </a:extLst>
+          </a:blip>
+          <a:stretch>
+            <a:fillRect/>
+          </a:stretch>
+        </p:blipFill>
+        <p:spPr>
+          <a:xfrm>
+            <a:off x="2627784" y="3429000"/>
+            <a:ext cx="3822700" cy="355600"/>
+          </a:xfrm>
+          <a:prstGeom prst="rect">
+            <a:avLst/>
+          </a:prstGeom>
+        </p:spPr>
+      </p:pic>
     </p:spTree>
     <p:extLst>
       <p:ext uri="{BB962C8B-B14F-4D97-AF65-F5344CB8AC3E}">
@@ -3496,7 +3631,17 @@
           <a:bodyPr/>
           <a:lstStyle/>
           <a:p>
-            <a:endParaRPr lang="en-US"/>
+            <a:r>
+              <a:rPr lang="en-US" dirty="0" smtClean="0"/>
+              <a:t>Experts/Bots</a:t>
+            </a:r>
+          </a:p>
+          <a:p>
+            <a:r>
+              <a:rPr lang="en-US" dirty="0" smtClean="0"/>
+              <a:t>Convex conjugate</a:t>
+            </a:r>
+            <a:endParaRPr lang="en-US" dirty="0"/>
           </a:p>
         </p:txBody>
       </p:sp>
@@ -4796,8 +4941,27 @@
           <a:p>
             <a:r>
               <a:rPr lang="en-US" dirty="0" smtClean="0"/>
-              <a:t>Based on how good you are?</a:t>
-            </a:r>
+              <a:t>Based on </a:t>
+            </a:r>
+          </a:p>
+          <a:p>
+            <a:pPr lvl="1"/>
+            <a:r>
+              <a:rPr lang="en-US" dirty="0" smtClean="0"/>
+              <a:t>What we know</a:t>
+            </a:r>
+          </a:p>
+          <a:p>
+            <a:pPr lvl="1"/>
+            <a:r>
+              <a:rPr lang="en-US" dirty="0" smtClean="0"/>
+              <a:t>How good the annotators are</a:t>
+            </a:r>
+          </a:p>
+          <a:p>
+            <a:endParaRPr lang="en-US" dirty="0" smtClean="0"/>
+          </a:p>
+          <a:p>
             <a:endParaRPr lang="en-US" dirty="0"/>
           </a:p>
         </p:txBody>
